--- a/docs/imbor-exchange/Sheets.pptx
+++ b/docs/imbor-exchange/Sheets.pptx
@@ -104,6 +104,11 @@
       </a:defRPr>
     </a:lvl9pPr>
   </p:defaultTextStyle>
+  <p:extLst>
+    <p:ext uri="{EFAFB233-063F-42B5-8137-9DF3F51BA10A}">
+      <p15:sldGuideLst xmlns:p15="http://schemas.microsoft.com/office/powerpoint/2012/main"/>
+    </p:ext>
+  </p:extLst>
 </p:presentation>
 </file>
 
@@ -907,7 +912,7 @@
             <a:rPr lang="nl-NL" sz="1000" dirty="0">
               <a:latin typeface="Museo Sans 300" panose="02000000000000000000" pitchFamily="50" charset="0"/>
             </a:rPr>
-            <a:t>Aanmaken ‘objecten’ in QGIS</a:t>
+            <a:t>Aanmaken ‘objecten’ in GIS</a:t>
           </a:r>
         </a:p>
       </dgm:t>
@@ -951,11 +956,14 @@
             <a:rPr lang="nl-NL" sz="1000" dirty="0" err="1">
               <a:latin typeface="Museo Sans 300" panose="02000000000000000000" pitchFamily="50" charset="0"/>
             </a:rPr>
-            <a:t>GeoJSON</a:t>
+            <a:t>Geo</a:t>
           </a:r>
-          <a:endParaRPr lang="nl-NL" sz="1000" dirty="0">
-            <a:latin typeface="Museo Sans 300" panose="02000000000000000000" pitchFamily="50" charset="0"/>
-          </a:endParaRPr>
+          <a:r>
+            <a:rPr lang="nl-NL" sz="1000" dirty="0">
+              <a:latin typeface="Museo Sans 300" panose="02000000000000000000" pitchFamily="50" charset="0"/>
+            </a:rPr>
+            <a:t> formaat</a:t>
+          </a:r>
         </a:p>
       </dgm:t>
     </dgm:pt>
@@ -992,13 +1000,13 @@
             <a:rPr lang="nl-NL" sz="1000" dirty="0">
               <a:latin typeface="Museo Sans 300" panose="02000000000000000000" pitchFamily="50" charset="0"/>
             </a:rPr>
-            <a:t>Transformeren naar RDF (in </a:t>
+            <a:t>Transformeren naar RDF (</a:t>
           </a:r>
           <a:r>
             <a:rPr lang="nl-NL" sz="1000" dirty="0" err="1">
               <a:latin typeface="Museo Sans 300" panose="02000000000000000000" pitchFamily="50" charset="0"/>
             </a:rPr>
-            <a:t>Turtle</a:t>
+            <a:t>triples</a:t>
           </a:r>
           <a:r>
             <a:rPr lang="nl-NL" sz="1000" dirty="0">
@@ -1139,7 +1147,18 @@
             <a:rPr lang="nl-NL" sz="1000" i="1" dirty="0">
               <a:latin typeface="Museo Sans 300" panose="02000000000000000000" pitchFamily="50" charset="0"/>
             </a:rPr>
-            <a:t>Nu handmatig gedaan (maar eenvoudig te </a:t>
+            <a:t>Nu handmatig gedaan </a:t>
+          </a:r>
+          <a:br>
+            <a:rPr lang="nl-NL" sz="1000" i="1" dirty="0">
+              <a:latin typeface="Museo Sans 300" panose="02000000000000000000" pitchFamily="50" charset="0"/>
+            </a:rPr>
+          </a:br>
+          <a:r>
+            <a:rPr lang="nl-NL" sz="1000" i="1" dirty="0">
+              <a:latin typeface="Museo Sans 300" panose="02000000000000000000" pitchFamily="50" charset="0"/>
+            </a:rPr>
+            <a:t>(maar eenvoudig te </a:t>
           </a:r>
           <a:r>
             <a:rPr lang="nl-NL" sz="1000" i="1" dirty="0" err="1">
@@ -1189,7 +1208,19 @@
             <a:rPr lang="nl-NL" sz="1000" i="1" dirty="0">
               <a:latin typeface="Museo Sans 300" panose="02000000000000000000" pitchFamily="50" charset="0"/>
             </a:rPr>
-            <a:t>Nodige stap omdat QGIS (nog) geen RDF kan exporteren</a:t>
+            <a:t>In </a:t>
+          </a:r>
+          <a:r>
+            <a:rPr lang="nl-NL" sz="1000" i="1" dirty="0" err="1">
+              <a:latin typeface="Museo Sans 300" panose="02000000000000000000" pitchFamily="50" charset="0"/>
+            </a:rPr>
+            <a:t>GeoJSON</a:t>
+          </a:r>
+          <a:r>
+            <a:rPr lang="nl-NL" sz="1000" i="1" dirty="0">
+              <a:latin typeface="Museo Sans 300" panose="02000000000000000000" pitchFamily="50" charset="0"/>
+            </a:rPr>
+            <a:t> formaat</a:t>
           </a:r>
         </a:p>
       </dgm:t>
@@ -1227,19 +1258,7 @@
             <a:rPr lang="nl-NL" sz="1000" i="1" dirty="0">
               <a:latin typeface="Museo Sans 300" panose="02000000000000000000" pitchFamily="50" charset="0"/>
             </a:rPr>
-            <a:t>Indien gewenst (kan ook ‘document </a:t>
-          </a:r>
-          <a:r>
-            <a:rPr lang="nl-NL" sz="1000" i="1" dirty="0" err="1">
-              <a:latin typeface="Museo Sans 300" panose="02000000000000000000" pitchFamily="50" charset="0"/>
-            </a:rPr>
-            <a:t>based</a:t>
-          </a:r>
-          <a:r>
-            <a:rPr lang="nl-NL" sz="1000" i="1" dirty="0">
-              <a:latin typeface="Museo Sans 300" panose="02000000000000000000" pitchFamily="50" charset="0"/>
-            </a:rPr>
-            <a:t>’)</a:t>
+            <a:t>Middels het CROW LDP</a:t>
           </a:r>
         </a:p>
       </dgm:t>
@@ -1266,6 +1285,341 @@
         </a:p>
       </dgm:t>
     </dgm:pt>
+    <dgm:pt modelId="{C3FA55E3-91CF-4A37-BAA9-244E40D43EF9}">
+      <dgm:prSet phldrT="[Tekst]" custT="1"/>
+      <dgm:spPr/>
+      <dgm:t>
+        <a:bodyPr/>
+        <a:lstStyle/>
+        <a:p>
+          <a:r>
+            <a:rPr lang="nl-NL" sz="1000" dirty="0">
+              <a:latin typeface="Museo Sans 300" panose="02000000000000000000" pitchFamily="50" charset="0"/>
+            </a:rPr>
+            <a:t>QGIS als ‘asset management software’</a:t>
+          </a:r>
+        </a:p>
+      </dgm:t>
+    </dgm:pt>
+    <dgm:pt modelId="{1317E056-6856-43EF-9515-62C09C74BA91}" type="parTrans" cxnId="{4A99CCED-1DC9-4563-B33A-8BC266B64B7D}">
+      <dgm:prSet/>
+      <dgm:spPr/>
+      <dgm:t>
+        <a:bodyPr/>
+        <a:lstStyle/>
+        <a:p>
+          <a:endParaRPr lang="nl-NL"/>
+        </a:p>
+      </dgm:t>
+    </dgm:pt>
+    <dgm:pt modelId="{1633DBF6-8522-430A-8778-19C6DF578C74}" type="sibTrans" cxnId="{4A99CCED-1DC9-4563-B33A-8BC266B64B7D}">
+      <dgm:prSet/>
+      <dgm:spPr/>
+      <dgm:t>
+        <a:bodyPr/>
+        <a:lstStyle/>
+        <a:p>
+          <a:endParaRPr lang="nl-NL"/>
+        </a:p>
+      </dgm:t>
+    </dgm:pt>
+    <dgm:pt modelId="{B2CB5EEF-1C7C-4933-8657-E80782CF0F4B}">
+      <dgm:prSet phldrT="[Tekst]" custT="1"/>
+      <dgm:spPr/>
+      <dgm:t>
+        <a:bodyPr/>
+        <a:lstStyle/>
+        <a:p>
+          <a:r>
+            <a:rPr lang="nl-NL" sz="1000" i="1" dirty="0">
+              <a:latin typeface="Museo Sans 300" panose="02000000000000000000" pitchFamily="50" charset="0"/>
+            </a:rPr>
+            <a:t>Nodige stap omdat QGIS (nog) geen RDF kan exporteren</a:t>
+          </a:r>
+        </a:p>
+      </dgm:t>
+    </dgm:pt>
+    <dgm:pt modelId="{90840349-4E19-4A68-93EF-7BF90F69E7CB}" type="parTrans" cxnId="{843A1BD1-C58A-4E60-BD6A-CBF0FF4018A3}">
+      <dgm:prSet/>
+      <dgm:spPr/>
+      <dgm:t>
+        <a:bodyPr/>
+        <a:lstStyle/>
+        <a:p>
+          <a:endParaRPr lang="nl-NL"/>
+        </a:p>
+      </dgm:t>
+    </dgm:pt>
+    <dgm:pt modelId="{CC018525-1B1A-415E-9F3C-3164A216DACB}" type="sibTrans" cxnId="{843A1BD1-C58A-4E60-BD6A-CBF0FF4018A3}">
+      <dgm:prSet/>
+      <dgm:spPr/>
+      <dgm:t>
+        <a:bodyPr/>
+        <a:lstStyle/>
+        <a:p>
+          <a:endParaRPr lang="nl-NL"/>
+        </a:p>
+      </dgm:t>
+    </dgm:pt>
+    <dgm:pt modelId="{D5BB78AB-62E3-4EB4-A250-7C46D074DB90}">
+      <dgm:prSet phldrT="[Tekst]" custT="1"/>
+      <dgm:spPr/>
+      <dgm:t>
+        <a:bodyPr/>
+        <a:lstStyle/>
+        <a:p>
+          <a:r>
+            <a:rPr lang="nl-NL" sz="1000" dirty="0" err="1">
+              <a:latin typeface="Museo Sans 300" panose="02000000000000000000" pitchFamily="50" charset="0"/>
+            </a:rPr>
+            <a:t>Serialisatie</a:t>
+          </a:r>
+          <a:r>
+            <a:rPr lang="nl-NL" sz="1000" dirty="0">
+              <a:latin typeface="Museo Sans 300" panose="02000000000000000000" pitchFamily="50" charset="0"/>
+            </a:rPr>
+            <a:t> in </a:t>
+          </a:r>
+          <a:r>
+            <a:rPr lang="nl-NL" sz="1000" dirty="0" err="1">
+              <a:latin typeface="Museo Sans 300" panose="02000000000000000000" pitchFamily="50" charset="0"/>
+            </a:rPr>
+            <a:t>Turtle</a:t>
+          </a:r>
+          <a:endParaRPr lang="nl-NL" sz="1000" dirty="0">
+            <a:latin typeface="Museo Sans 300" panose="02000000000000000000" pitchFamily="50" charset="0"/>
+          </a:endParaRPr>
+        </a:p>
+      </dgm:t>
+    </dgm:pt>
+    <dgm:pt modelId="{1C31AA3E-A0CF-400D-831B-F4E9F65D49B2}" type="parTrans" cxnId="{623E0F15-AA49-4B2E-A1A7-BA7C3B311BD5}">
+      <dgm:prSet/>
+      <dgm:spPr/>
+      <dgm:t>
+        <a:bodyPr/>
+        <a:lstStyle/>
+        <a:p>
+          <a:endParaRPr lang="nl-NL"/>
+        </a:p>
+      </dgm:t>
+    </dgm:pt>
+    <dgm:pt modelId="{77E54AD7-C317-4408-A15A-6000C8A3B90B}" type="sibTrans" cxnId="{623E0F15-AA49-4B2E-A1A7-BA7C3B311BD5}">
+      <dgm:prSet/>
+      <dgm:spPr/>
+      <dgm:t>
+        <a:bodyPr/>
+        <a:lstStyle/>
+        <a:p>
+          <a:endParaRPr lang="nl-NL"/>
+        </a:p>
+      </dgm:t>
+    </dgm:pt>
+    <dgm:pt modelId="{B0993A9A-14B5-41EC-ADA8-32D43C72B864}">
+      <dgm:prSet phldrT="[Tekst]" custT="1"/>
+      <dgm:spPr/>
+      <dgm:t>
+        <a:bodyPr/>
+        <a:lstStyle/>
+        <a:p>
+          <a:r>
+            <a:rPr lang="nl-NL" sz="1000" dirty="0">
+              <a:latin typeface="Museo Sans 300" panose="02000000000000000000" pitchFamily="50" charset="0"/>
+            </a:rPr>
+            <a:t>Validatie van de gegevens met SHACL</a:t>
+          </a:r>
+        </a:p>
+      </dgm:t>
+    </dgm:pt>
+    <dgm:pt modelId="{CAC86448-8A1E-4D06-B3F6-D16C177F0236}" type="parTrans" cxnId="{CE1C5BEE-3247-4816-AC25-60E40336EEA5}">
+      <dgm:prSet/>
+      <dgm:spPr/>
+      <dgm:t>
+        <a:bodyPr/>
+        <a:lstStyle/>
+        <a:p>
+          <a:endParaRPr lang="nl-NL"/>
+        </a:p>
+      </dgm:t>
+    </dgm:pt>
+    <dgm:pt modelId="{8D96C3A5-763D-4700-A3EF-3CC1E7283356}" type="sibTrans" cxnId="{CE1C5BEE-3247-4816-AC25-60E40336EEA5}">
+      <dgm:prSet/>
+      <dgm:spPr/>
+      <dgm:t>
+        <a:bodyPr/>
+        <a:lstStyle/>
+        <a:p>
+          <a:endParaRPr lang="nl-NL"/>
+        </a:p>
+      </dgm:t>
+    </dgm:pt>
+    <dgm:pt modelId="{899641EF-F854-4820-BCC4-75D990D8143F}">
+      <dgm:prSet phldrT="[Tekst]" custT="1"/>
+      <dgm:spPr/>
+      <dgm:t>
+        <a:bodyPr/>
+        <a:lstStyle/>
+        <a:p>
+          <a:r>
+            <a:rPr lang="nl-NL" sz="1000" dirty="0">
+              <a:latin typeface="Museo Sans 300" panose="02000000000000000000" pitchFamily="50" charset="0"/>
+            </a:rPr>
+            <a:t>Conform de SHACL </a:t>
+          </a:r>
+          <a:r>
+            <a:rPr lang="nl-NL" sz="1000" dirty="0" err="1">
+              <a:latin typeface="Museo Sans 300" panose="02000000000000000000" pitchFamily="50" charset="0"/>
+            </a:rPr>
+            <a:t>validator</a:t>
+          </a:r>
+          <a:r>
+            <a:rPr lang="nl-NL" sz="1000" dirty="0">
+              <a:latin typeface="Museo Sans 300" panose="02000000000000000000" pitchFamily="50" charset="0"/>
+            </a:rPr>
+            <a:t> van </a:t>
+          </a:r>
+          <a:r>
+            <a:rPr lang="nl-NL" sz="1000" dirty="0" err="1">
+              <a:latin typeface="Museo Sans 300" panose="02000000000000000000" pitchFamily="50" charset="0"/>
+            </a:rPr>
+            <a:t>TopQuadrant</a:t>
+          </a:r>
+          <a:endParaRPr lang="nl-NL" sz="1000" dirty="0">
+            <a:latin typeface="Museo Sans 300" panose="02000000000000000000" pitchFamily="50" charset="0"/>
+          </a:endParaRPr>
+        </a:p>
+      </dgm:t>
+    </dgm:pt>
+    <dgm:pt modelId="{CAF9B70A-6CF2-4B34-9220-462D340EB1F7}" type="parTrans" cxnId="{17C4A695-FD7A-4BE1-8876-B9A7073D363E}">
+      <dgm:prSet/>
+      <dgm:spPr/>
+      <dgm:t>
+        <a:bodyPr/>
+        <a:lstStyle/>
+        <a:p>
+          <a:endParaRPr lang="nl-NL"/>
+        </a:p>
+      </dgm:t>
+    </dgm:pt>
+    <dgm:pt modelId="{616F15A0-A292-48A9-9F8B-ED0100F38946}" type="sibTrans" cxnId="{17C4A695-FD7A-4BE1-8876-B9A7073D363E}">
+      <dgm:prSet/>
+      <dgm:spPr/>
+      <dgm:t>
+        <a:bodyPr/>
+        <a:lstStyle/>
+        <a:p>
+          <a:endParaRPr lang="nl-NL"/>
+        </a:p>
+      </dgm:t>
+    </dgm:pt>
+    <dgm:pt modelId="{ABB07604-27DB-43E9-9C15-15D92603A999}">
+      <dgm:prSet phldrT="[Tekst]" custT="1"/>
+      <dgm:spPr/>
+      <dgm:t>
+        <a:bodyPr/>
+        <a:lstStyle/>
+        <a:p>
+          <a:r>
+            <a:rPr lang="nl-NL" sz="1000" i="1" dirty="0">
+              <a:latin typeface="Museo Sans 300" panose="02000000000000000000" pitchFamily="50" charset="0"/>
+            </a:rPr>
+            <a:t>Indien gewenst (want kan ook ‘document </a:t>
+          </a:r>
+          <a:r>
+            <a:rPr lang="nl-NL" sz="1000" i="1" dirty="0" err="1">
+              <a:latin typeface="Museo Sans 300" panose="02000000000000000000" pitchFamily="50" charset="0"/>
+            </a:rPr>
+            <a:t>based</a:t>
+          </a:r>
+          <a:r>
+            <a:rPr lang="nl-NL" sz="1000" i="1" dirty="0">
+              <a:latin typeface="Museo Sans 300" panose="02000000000000000000" pitchFamily="50" charset="0"/>
+            </a:rPr>
+            <a:t>’)</a:t>
+          </a:r>
+        </a:p>
+      </dgm:t>
+    </dgm:pt>
+    <dgm:pt modelId="{84770DA2-A697-4FFB-8FF4-BEAF63E38CCB}" type="parTrans" cxnId="{53E4ED0B-E67B-4D93-8F23-621A88A56E50}">
+      <dgm:prSet/>
+      <dgm:spPr/>
+      <dgm:t>
+        <a:bodyPr/>
+        <a:lstStyle/>
+        <a:p>
+          <a:endParaRPr lang="nl-NL"/>
+        </a:p>
+      </dgm:t>
+    </dgm:pt>
+    <dgm:pt modelId="{C1DFA4EE-AAB0-4BF4-92CD-56159F67B71B}" type="sibTrans" cxnId="{53E4ED0B-E67B-4D93-8F23-621A88A56E50}">
+      <dgm:prSet/>
+      <dgm:spPr/>
+      <dgm:t>
+        <a:bodyPr/>
+        <a:lstStyle/>
+        <a:p>
+          <a:endParaRPr lang="nl-NL"/>
+        </a:p>
+      </dgm:t>
+    </dgm:pt>
+    <dgm:pt modelId="{D7DFE932-F2F3-4915-A6B1-B4654C783E78}">
+      <dgm:prSet phldrT="[Tekst]" custT="1"/>
+      <dgm:spPr/>
+      <dgm:t>
+        <a:bodyPr/>
+        <a:lstStyle/>
+        <a:p>
+          <a:r>
+            <a:rPr lang="nl-NL" sz="1000" dirty="0">
+              <a:latin typeface="Museo Sans 300" panose="02000000000000000000" pitchFamily="50" charset="0"/>
+            </a:rPr>
+            <a:t>Bijvoorbeeld met </a:t>
+          </a:r>
+          <a:r>
+            <a:rPr lang="nl-NL" sz="1000" dirty="0" err="1">
+              <a:latin typeface="Museo Sans 300" panose="02000000000000000000" pitchFamily="50" charset="0"/>
+            </a:rPr>
+            <a:t>TriplyDB</a:t>
+          </a:r>
+          <a:r>
+            <a:rPr lang="nl-NL" sz="1000" dirty="0">
+              <a:latin typeface="Museo Sans 300" panose="02000000000000000000" pitchFamily="50" charset="0"/>
+            </a:rPr>
+            <a:t> / </a:t>
+          </a:r>
+          <a:r>
+            <a:rPr lang="nl-NL" sz="1000" dirty="0" err="1">
+              <a:latin typeface="Museo Sans 300" panose="02000000000000000000" pitchFamily="50" charset="0"/>
+            </a:rPr>
+            <a:t>Yasgui</a:t>
+          </a:r>
+          <a:endParaRPr lang="nl-NL" sz="1000" dirty="0">
+            <a:latin typeface="Museo Sans 300" panose="02000000000000000000" pitchFamily="50" charset="0"/>
+          </a:endParaRPr>
+        </a:p>
+      </dgm:t>
+    </dgm:pt>
+    <dgm:pt modelId="{840378DE-31D3-46FE-B162-F3FB5703CC21}" type="parTrans" cxnId="{289E0B73-9093-45E2-B30F-27775727C564}">
+      <dgm:prSet/>
+      <dgm:spPr/>
+      <dgm:t>
+        <a:bodyPr/>
+        <a:lstStyle/>
+        <a:p>
+          <a:endParaRPr lang="nl-NL"/>
+        </a:p>
+      </dgm:t>
+    </dgm:pt>
+    <dgm:pt modelId="{44D28568-E047-48AF-BE39-D4A25E886FB9}" type="sibTrans" cxnId="{289E0B73-9093-45E2-B30F-27775727C564}">
+      <dgm:prSet/>
+      <dgm:spPr/>
+      <dgm:t>
+        <a:bodyPr/>
+        <a:lstStyle/>
+        <a:p>
+          <a:endParaRPr lang="nl-NL"/>
+        </a:p>
+      </dgm:t>
+    </dgm:pt>
     <dgm:pt modelId="{4A047B38-1BBF-4F99-BB0D-7D2E7A676983}" type="pres">
       <dgm:prSet presAssocID="{3885F01A-B5DC-4F1C-886A-7DFEFCF8C504}" presName="Name0" presStyleCnt="0">
         <dgm:presLayoutVars>
@@ -1281,7 +1635,7 @@
       <dgm:spPr/>
     </dgm:pt>
     <dgm:pt modelId="{F085EFFA-C28B-4682-BB87-3AB69EFA9997}" type="pres">
-      <dgm:prSet presAssocID="{D7B92256-D26A-4948-8F2C-4FD145EF9A62}" presName="parTx" presStyleLbl="node1" presStyleIdx="0" presStyleCnt="5">
+      <dgm:prSet presAssocID="{D7B92256-D26A-4948-8F2C-4FD145EF9A62}" presName="parTx" presStyleLbl="node1" presStyleIdx="0" presStyleCnt="6">
         <dgm:presLayoutVars>
           <dgm:chMax val="0"/>
           <dgm:chPref val="0"/>
@@ -1291,7 +1645,7 @@
       <dgm:spPr/>
     </dgm:pt>
     <dgm:pt modelId="{25464C83-3432-4DC1-B0CE-7BA565A2044A}" type="pres">
-      <dgm:prSet presAssocID="{D7B92256-D26A-4948-8F2C-4FD145EF9A62}" presName="desTx" presStyleLbl="revTx" presStyleIdx="0" presStyleCnt="3">
+      <dgm:prSet presAssocID="{D7B92256-D26A-4948-8F2C-4FD145EF9A62}" presName="desTx" presStyleLbl="revTx" presStyleIdx="0" presStyleCnt="6">
         <dgm:presLayoutVars>
           <dgm:bulletEnabled val="1"/>
         </dgm:presLayoutVars>
@@ -1307,7 +1661,7 @@
       <dgm:spPr/>
     </dgm:pt>
     <dgm:pt modelId="{3D5C9A85-CEF6-4C4E-8886-DB6568FF1802}" type="pres">
-      <dgm:prSet presAssocID="{EDD00005-5449-4860-9093-7222B38F0E98}" presName="parTx" presStyleLbl="node1" presStyleIdx="1" presStyleCnt="5" custLinFactNeighborX="520">
+      <dgm:prSet presAssocID="{EDD00005-5449-4860-9093-7222B38F0E98}" presName="parTx" presStyleLbl="node1" presStyleIdx="1" presStyleCnt="6" custLinFactNeighborX="520">
         <dgm:presLayoutVars>
           <dgm:chMax val="0"/>
           <dgm:chPref val="0"/>
@@ -1317,7 +1671,7 @@
       <dgm:spPr/>
     </dgm:pt>
     <dgm:pt modelId="{E171A661-0FE4-4BEE-9185-8D9E2D7FAC0D}" type="pres">
-      <dgm:prSet presAssocID="{EDD00005-5449-4860-9093-7222B38F0E98}" presName="desTx" presStyleLbl="revTx" presStyleIdx="0" presStyleCnt="3">
+      <dgm:prSet presAssocID="{EDD00005-5449-4860-9093-7222B38F0E98}" presName="desTx" presStyleLbl="revTx" presStyleIdx="1" presStyleCnt="6">
         <dgm:presLayoutVars>
           <dgm:bulletEnabled val="1"/>
         </dgm:presLayoutVars>
@@ -1333,7 +1687,7 @@
       <dgm:spPr/>
     </dgm:pt>
     <dgm:pt modelId="{6DBC3684-5185-4BDC-960E-E44E8FEFF96A}" type="pres">
-      <dgm:prSet presAssocID="{ED693D58-DEC3-4E80-9703-9B285AE09DF0}" presName="parTx" presStyleLbl="node1" presStyleIdx="2" presStyleCnt="5">
+      <dgm:prSet presAssocID="{ED693D58-DEC3-4E80-9703-9B285AE09DF0}" presName="parTx" presStyleLbl="node1" presStyleIdx="2" presStyleCnt="6">
         <dgm:presLayoutVars>
           <dgm:chMax val="0"/>
           <dgm:chPref val="0"/>
@@ -1343,7 +1697,7 @@
       <dgm:spPr/>
     </dgm:pt>
     <dgm:pt modelId="{EB85DB28-C47F-4176-BBE4-022DFBB59FF1}" type="pres">
-      <dgm:prSet presAssocID="{ED693D58-DEC3-4E80-9703-9B285AE09DF0}" presName="desTx" presStyleLbl="revTx" presStyleIdx="1" presStyleCnt="3">
+      <dgm:prSet presAssocID="{ED693D58-DEC3-4E80-9703-9B285AE09DF0}" presName="desTx" presStyleLbl="revTx" presStyleIdx="2" presStyleCnt="6">
         <dgm:presLayoutVars>
           <dgm:bulletEnabled val="1"/>
         </dgm:presLayoutVars>
@@ -1354,12 +1708,38 @@
       <dgm:prSet presAssocID="{A386C5DA-47DC-46FE-A25D-17644C65CB53}" presName="space" presStyleCnt="0"/>
       <dgm:spPr/>
     </dgm:pt>
+    <dgm:pt modelId="{1E70E787-B80A-414C-B38A-1FFA8052361F}" type="pres">
+      <dgm:prSet presAssocID="{B0993A9A-14B5-41EC-ADA8-32D43C72B864}" presName="composite" presStyleCnt="0"/>
+      <dgm:spPr/>
+    </dgm:pt>
+    <dgm:pt modelId="{12882430-8A5F-473F-AC5C-0814314A33A2}" type="pres">
+      <dgm:prSet presAssocID="{B0993A9A-14B5-41EC-ADA8-32D43C72B864}" presName="parTx" presStyleLbl="node1" presStyleIdx="3" presStyleCnt="6">
+        <dgm:presLayoutVars>
+          <dgm:chMax val="0"/>
+          <dgm:chPref val="0"/>
+          <dgm:bulletEnabled val="1"/>
+        </dgm:presLayoutVars>
+      </dgm:prSet>
+      <dgm:spPr/>
+    </dgm:pt>
+    <dgm:pt modelId="{CE93ABF5-401E-44BB-B22F-906178552900}" type="pres">
+      <dgm:prSet presAssocID="{B0993A9A-14B5-41EC-ADA8-32D43C72B864}" presName="desTx" presStyleLbl="revTx" presStyleIdx="3" presStyleCnt="6">
+        <dgm:presLayoutVars>
+          <dgm:bulletEnabled val="1"/>
+        </dgm:presLayoutVars>
+      </dgm:prSet>
+      <dgm:spPr/>
+    </dgm:pt>
+    <dgm:pt modelId="{62900FC7-EF2B-44B7-878D-0ADCF3799C1D}" type="pres">
+      <dgm:prSet presAssocID="{8D96C3A5-763D-4700-A3EF-3CC1E7283356}" presName="space" presStyleCnt="0"/>
+      <dgm:spPr/>
+    </dgm:pt>
     <dgm:pt modelId="{FEC55449-9379-455D-9C14-B8451A505A51}" type="pres">
       <dgm:prSet presAssocID="{49A1F77F-1B5E-4A59-A25E-9D73FF32FEC5}" presName="composite" presStyleCnt="0"/>
       <dgm:spPr/>
     </dgm:pt>
     <dgm:pt modelId="{8EE35218-F3D0-47A3-B466-5E691DDB41B9}" type="pres">
-      <dgm:prSet presAssocID="{49A1F77F-1B5E-4A59-A25E-9D73FF32FEC5}" presName="parTx" presStyleLbl="node1" presStyleIdx="3" presStyleCnt="5">
+      <dgm:prSet presAssocID="{49A1F77F-1B5E-4A59-A25E-9D73FF32FEC5}" presName="parTx" presStyleLbl="node1" presStyleIdx="4" presStyleCnt="6">
         <dgm:presLayoutVars>
           <dgm:chMax val="0"/>
           <dgm:chPref val="0"/>
@@ -1369,7 +1749,7 @@
       <dgm:spPr/>
     </dgm:pt>
     <dgm:pt modelId="{D0DFF5B4-7903-472C-AAA3-D862EA34BBF9}" type="pres">
-      <dgm:prSet presAssocID="{49A1F77F-1B5E-4A59-A25E-9D73FF32FEC5}" presName="desTx" presStyleLbl="revTx" presStyleIdx="2" presStyleCnt="3">
+      <dgm:prSet presAssocID="{49A1F77F-1B5E-4A59-A25E-9D73FF32FEC5}" presName="desTx" presStyleLbl="revTx" presStyleIdx="4" presStyleCnt="6">
         <dgm:presLayoutVars>
           <dgm:bulletEnabled val="1"/>
         </dgm:presLayoutVars>
@@ -1385,7 +1765,7 @@
       <dgm:spPr/>
     </dgm:pt>
     <dgm:pt modelId="{F7A2733A-0A4E-4472-BE93-46F2B42A6C86}" type="pres">
-      <dgm:prSet presAssocID="{571091BE-8CFA-4D46-A0CA-3EBE41AE17DB}" presName="parTx" presStyleLbl="node1" presStyleIdx="4" presStyleCnt="5">
+      <dgm:prSet presAssocID="{571091BE-8CFA-4D46-A0CA-3EBE41AE17DB}" presName="parTx" presStyleLbl="node1" presStyleIdx="5" presStyleCnt="6">
         <dgm:presLayoutVars>
           <dgm:chMax val="0"/>
           <dgm:chPref val="0"/>
@@ -1395,7 +1775,7 @@
       <dgm:spPr/>
     </dgm:pt>
     <dgm:pt modelId="{464B953D-45DB-4DC8-A854-7254D1CC0163}" type="pres">
-      <dgm:prSet presAssocID="{571091BE-8CFA-4D46-A0CA-3EBE41AE17DB}" presName="desTx" presStyleLbl="revTx" presStyleIdx="2" presStyleCnt="3">
+      <dgm:prSet presAssocID="{571091BE-8CFA-4D46-A0CA-3EBE41AE17DB}" presName="desTx" presStyleLbl="revTx" presStyleIdx="5" presStyleCnt="6">
         <dgm:presLayoutVars>
           <dgm:bulletEnabled val="1"/>
         </dgm:presLayoutVars>
@@ -1404,23 +1784,37 @@
     </dgm:pt>
   </dgm:ptLst>
   <dgm:cxnLst>
-    <dgm:cxn modelId="{9DF8E81C-A5CB-4284-85D5-7E39627D8781}" srcId="{3885F01A-B5DC-4F1C-886A-7DFEFCF8C504}" destId="{571091BE-8CFA-4D46-A0CA-3EBE41AE17DB}" srcOrd="4" destOrd="0" parTransId="{362D1C3F-B088-4D47-99F2-ADBBE9E335C1}" sibTransId="{5C0707E3-40A6-415C-909F-F0E2B319426C}"/>
+    <dgm:cxn modelId="{BD8B190B-D6FE-4974-92B2-4581A7D8FE8E}" type="presOf" srcId="{D7DFE932-F2F3-4915-A6B1-B4654C783E78}" destId="{464B953D-45DB-4DC8-A854-7254D1CC0163}" srcOrd="0" destOrd="0" presId="urn:microsoft.com/office/officeart/2005/8/layout/chevron1"/>
+    <dgm:cxn modelId="{53E4ED0B-E67B-4D93-8F23-621A88A56E50}" srcId="{D68BDBB7-DC0A-43D9-BAA1-B631DDBACF23}" destId="{ABB07604-27DB-43E9-9C15-15D92603A999}" srcOrd="0" destOrd="0" parTransId="{84770DA2-A697-4FFB-8FF4-BEAF63E38CCB}" sibTransId="{C1DFA4EE-AAB0-4BF4-92CD-56159F67B71B}"/>
+    <dgm:cxn modelId="{623E0F15-AA49-4B2E-A1A7-BA7C3B311BD5}" srcId="{ED693D58-DEC3-4E80-9703-9B285AE09DF0}" destId="{D5BB78AB-62E3-4EB4-A250-7C46D074DB90}" srcOrd="0" destOrd="0" parTransId="{1C31AA3E-A0CF-400D-831B-F4E9F65D49B2}" sibTransId="{77E54AD7-C317-4408-A15A-6000C8A3B90B}"/>
+    <dgm:cxn modelId="{9DF8E81C-A5CB-4284-85D5-7E39627D8781}" srcId="{3885F01A-B5DC-4F1C-886A-7DFEFCF8C504}" destId="{571091BE-8CFA-4D46-A0CA-3EBE41AE17DB}" srcOrd="5" destOrd="0" parTransId="{362D1C3F-B088-4D47-99F2-ADBBE9E335C1}" sibTransId="{5C0707E3-40A6-415C-909F-F0E2B319426C}"/>
+    <dgm:cxn modelId="{2C73882F-DD0A-4EED-B4EC-93802059A498}" type="presOf" srcId="{90BB801D-B973-462F-A50C-C13BFB6B0336}" destId="{EB85DB28-C47F-4176-BBE4-022DFBB59FF1}" srcOrd="0" destOrd="1" presId="urn:microsoft.com/office/officeart/2005/8/layout/chevron1"/>
     <dgm:cxn modelId="{FB256A32-26CF-4824-85AB-25680005E16D}" type="presOf" srcId="{49A1F77F-1B5E-4A59-A25E-9D73FF32FEC5}" destId="{8EE35218-F3D0-47A3-B466-5E691DDB41B9}" srcOrd="0" destOrd="0" presId="urn:microsoft.com/office/officeart/2005/8/layout/chevron1"/>
     <dgm:cxn modelId="{BB30AC32-4398-41F8-8C0D-D0F838171C91}" type="presOf" srcId="{571091BE-8CFA-4D46-A0CA-3EBE41AE17DB}" destId="{F7A2733A-0A4E-4472-BE93-46F2B42A6C86}" srcOrd="0" destOrd="0" presId="urn:microsoft.com/office/officeart/2005/8/layout/chevron1"/>
     <dgm:cxn modelId="{6F23B337-388C-4149-946A-874DCCBA0046}" type="presOf" srcId="{D7B92256-D26A-4948-8F2C-4FD145EF9A62}" destId="{F085EFFA-C28B-4682-BB87-3AB69EFA9997}" srcOrd="0" destOrd="0" presId="urn:microsoft.com/office/officeart/2005/8/layout/chevron1"/>
+    <dgm:cxn modelId="{F90EB73A-61D9-4C30-8097-A72AD0A6B847}" type="presOf" srcId="{B0993A9A-14B5-41EC-ADA8-32D43C72B864}" destId="{12882430-8A5F-473F-AC5C-0814314A33A2}" srcOrd="0" destOrd="0" presId="urn:microsoft.com/office/officeart/2005/8/layout/chevron1"/>
+    <dgm:cxn modelId="{7529DF47-0A64-4F66-8F39-A1D2C29607F4}" type="presOf" srcId="{D5BB78AB-62E3-4EB4-A250-7C46D074DB90}" destId="{EB85DB28-C47F-4176-BBE4-022DFBB59FF1}" srcOrd="0" destOrd="0" presId="urn:microsoft.com/office/officeart/2005/8/layout/chevron1"/>
     <dgm:cxn modelId="{D16E044E-5160-40EA-81BA-66669F3BD8B9}" srcId="{3885F01A-B5DC-4F1C-886A-7DFEFCF8C504}" destId="{EDD00005-5449-4860-9093-7222B38F0E98}" srcOrd="1" destOrd="0" parTransId="{FA819630-F041-486E-8028-24397608F51C}" sibTransId="{B2534BF2-0C99-4C3D-8A4C-390BB0E42EF9}"/>
-    <dgm:cxn modelId="{DC03A152-C021-4000-A025-BCA3406A10D5}" srcId="{3885F01A-B5DC-4F1C-886A-7DFEFCF8C504}" destId="{49A1F77F-1B5E-4A59-A25E-9D73FF32FEC5}" srcOrd="3" destOrd="0" parTransId="{F511D8D7-45B4-461E-81C1-BC2E893C00AC}" sibTransId="{8B919248-2B4D-4C31-857B-1BFB3E189217}"/>
+    <dgm:cxn modelId="{DC03A152-C021-4000-A025-BCA3406A10D5}" srcId="{3885F01A-B5DC-4F1C-886A-7DFEFCF8C504}" destId="{49A1F77F-1B5E-4A59-A25E-9D73FF32FEC5}" srcOrd="4" destOrd="0" parTransId="{F511D8D7-45B4-461E-81C1-BC2E893C00AC}" sibTransId="{8B919248-2B4D-4C31-857B-1BFB3E189217}"/>
+    <dgm:cxn modelId="{289E0B73-9093-45E2-B30F-27775727C564}" srcId="{571091BE-8CFA-4D46-A0CA-3EBE41AE17DB}" destId="{D7DFE932-F2F3-4915-A6B1-B4654C783E78}" srcOrd="0" destOrd="0" parTransId="{840378DE-31D3-46FE-B162-F3FB5703CC21}" sibTransId="{44D28568-E047-48AF-BE39-D4A25E886FB9}"/>
     <dgm:cxn modelId="{28879757-578D-4176-AE9B-2E03A92375C9}" type="presOf" srcId="{D68BDBB7-DC0A-43D9-BAA1-B631DDBACF23}" destId="{D0DFF5B4-7903-472C-AAA3-D862EA34BBF9}" srcOrd="0" destOrd="0" presId="urn:microsoft.com/office/officeart/2005/8/layout/chevron1"/>
+    <dgm:cxn modelId="{1CA95281-63D9-4B01-8233-C55CF6788DF9}" type="presOf" srcId="{ABB07604-27DB-43E9-9C15-15D92603A999}" destId="{D0DFF5B4-7903-472C-AAA3-D862EA34BBF9}" srcOrd="0" destOrd="1" presId="urn:microsoft.com/office/officeart/2005/8/layout/chevron1"/>
     <dgm:cxn modelId="{34D3EB83-2CB7-415E-B05B-FC6C3D6F2795}" srcId="{3885F01A-B5DC-4F1C-886A-7DFEFCF8C504}" destId="{D7B92256-D26A-4948-8F2C-4FD145EF9A62}" srcOrd="0" destOrd="0" parTransId="{05FD783F-1ECB-40C5-BF8A-273BBEE0E853}" sibTransId="{DD0FFA6F-D63A-46B0-816B-8F856B8A9AA3}"/>
     <dgm:cxn modelId="{B7387C90-2E06-4DDE-B6AD-60A63E9EDEC8}" srcId="{3885F01A-B5DC-4F1C-886A-7DFEFCF8C504}" destId="{ED693D58-DEC3-4E80-9703-9B285AE09DF0}" srcOrd="2" destOrd="0" parTransId="{23FA4468-1C1A-4DE4-9C12-4C642554D5B9}" sibTransId="{A386C5DA-47DC-46FE-A25D-17644C65CB53}"/>
     <dgm:cxn modelId="{07F56191-BDF8-4F5B-91EB-416AB09CE05A}" type="presOf" srcId="{EDD00005-5449-4860-9093-7222B38F0E98}" destId="{3D5C9A85-CEF6-4C4E-8886-DB6568FF1802}" srcOrd="0" destOrd="0" presId="urn:microsoft.com/office/officeart/2005/8/layout/chevron1"/>
+    <dgm:cxn modelId="{17C4A695-FD7A-4BE1-8876-B9A7073D363E}" srcId="{B0993A9A-14B5-41EC-ADA8-32D43C72B864}" destId="{899641EF-F854-4820-BCC4-75D990D8143F}" srcOrd="0" destOrd="0" parTransId="{CAF9B70A-6CF2-4B34-9220-462D340EB1F7}" sibTransId="{616F15A0-A292-48A9-9F8B-ED0100F38946}"/>
+    <dgm:cxn modelId="{8DBD3C9C-801A-49F8-AABA-946B7F771A2E}" type="presOf" srcId="{899641EF-F854-4820-BCC4-75D990D8143F}" destId="{CE93ABF5-401E-44BB-B22F-906178552900}" srcOrd="0" destOrd="0" presId="urn:microsoft.com/office/officeart/2005/8/layout/chevron1"/>
     <dgm:cxn modelId="{1CDF5FAC-F700-4D10-B745-C9F052F1B4D9}" srcId="{EDD00005-5449-4860-9093-7222B38F0E98}" destId="{E096A58A-2557-445C-BE24-25C8DE444495}" srcOrd="0" destOrd="0" parTransId="{C1478C39-C246-4D14-867A-66873E315810}" sibTransId="{1D2362E0-0418-4793-A635-D764DCE23C64}"/>
     <dgm:cxn modelId="{A6E774BE-E5FA-425B-BD53-4B627FEBC052}" type="presOf" srcId="{3885F01A-B5DC-4F1C-886A-7DFEFCF8C504}" destId="{4A047B38-1BBF-4F99-BB0D-7D2E7A676983}" srcOrd="0" destOrd="0" presId="urn:microsoft.com/office/officeart/2005/8/layout/chevron1"/>
     <dgm:cxn modelId="{D4F1C7C7-1A83-4B0D-88A1-F31D7F61A33C}" type="presOf" srcId="{E096A58A-2557-445C-BE24-25C8DE444495}" destId="{E171A661-0FE4-4BEE-9185-8D9E2D7FAC0D}" srcOrd="0" destOrd="0" presId="urn:microsoft.com/office/officeart/2005/8/layout/chevron1"/>
-    <dgm:cxn modelId="{D83CCDD1-F259-4657-AD9A-A4CB4807B1A5}" type="presOf" srcId="{90BB801D-B973-462F-A50C-C13BFB6B0336}" destId="{EB85DB28-C47F-4176-BBE4-022DFBB59FF1}" srcOrd="0" destOrd="0" presId="urn:microsoft.com/office/officeart/2005/8/layout/chevron1"/>
-    <dgm:cxn modelId="{F96A60D7-11AC-4BC7-848D-78B6E04A6775}" srcId="{ED693D58-DEC3-4E80-9703-9B285AE09DF0}" destId="{90BB801D-B973-462F-A50C-C13BFB6B0336}" srcOrd="0" destOrd="0" parTransId="{A518C534-DF1D-4CD3-B2D2-5A4553540B55}" sibTransId="{06BAB43B-DB79-4441-985B-873B114E71F1}"/>
+    <dgm:cxn modelId="{843A1BD1-C58A-4E60-BD6A-CBF0FF4018A3}" srcId="{E096A58A-2557-445C-BE24-25C8DE444495}" destId="{B2CB5EEF-1C7C-4933-8657-E80782CF0F4B}" srcOrd="0" destOrd="0" parTransId="{90840349-4E19-4A68-93EF-7BF90F69E7CB}" sibTransId="{CC018525-1B1A-415E-9F3C-3164A216DACB}"/>
+    <dgm:cxn modelId="{F96A60D7-11AC-4BC7-848D-78B6E04A6775}" srcId="{D5BB78AB-62E3-4EB4-A250-7C46D074DB90}" destId="{90BB801D-B973-462F-A50C-C13BFB6B0336}" srcOrd="0" destOrd="0" parTransId="{A518C534-DF1D-4CD3-B2D2-5A4553540B55}" sibTransId="{06BAB43B-DB79-4441-985B-873B114E71F1}"/>
+    <dgm:cxn modelId="{287846DA-BD3A-4E3C-AB69-72CC73850201}" type="presOf" srcId="{B2CB5EEF-1C7C-4933-8657-E80782CF0F4B}" destId="{E171A661-0FE4-4BEE-9185-8D9E2D7FAC0D}" srcOrd="0" destOrd="1" presId="urn:microsoft.com/office/officeart/2005/8/layout/chevron1"/>
     <dgm:cxn modelId="{44C073E9-CAE3-4381-AE78-625E43820A35}" type="presOf" srcId="{ED693D58-DEC3-4E80-9703-9B285AE09DF0}" destId="{6DBC3684-5185-4BDC-960E-E44E8FEFF96A}" srcOrd="0" destOrd="0" presId="urn:microsoft.com/office/officeart/2005/8/layout/chevron1"/>
+    <dgm:cxn modelId="{4A99CCED-1DC9-4563-B33A-8BC266B64B7D}" srcId="{D7B92256-D26A-4948-8F2C-4FD145EF9A62}" destId="{C3FA55E3-91CF-4A37-BAA9-244E40D43EF9}" srcOrd="0" destOrd="0" parTransId="{1317E056-6856-43EF-9515-62C09C74BA91}" sibTransId="{1633DBF6-8522-430A-8778-19C6DF578C74}"/>
     <dgm:cxn modelId="{F17035EE-1756-486D-ACE4-2C4E900E5E55}" srcId="{49A1F77F-1B5E-4A59-A25E-9D73FF32FEC5}" destId="{D68BDBB7-DC0A-43D9-BAA1-B631DDBACF23}" srcOrd="0" destOrd="0" parTransId="{7ED851A5-A51E-490A-928D-8AAC1991F8FE}" sibTransId="{4A259291-D04B-420D-BFBD-146B8207AE63}"/>
+    <dgm:cxn modelId="{CE1C5BEE-3247-4816-AC25-60E40336EEA5}" srcId="{3885F01A-B5DC-4F1C-886A-7DFEFCF8C504}" destId="{B0993A9A-14B5-41EC-ADA8-32D43C72B864}" srcOrd="3" destOrd="0" parTransId="{CAC86448-8A1E-4D06-B3F6-D16C177F0236}" sibTransId="{8D96C3A5-763D-4700-A3EF-3CC1E7283356}"/>
+    <dgm:cxn modelId="{B5C83FF2-8491-4130-9F39-F4A3434E7545}" type="presOf" srcId="{C3FA55E3-91CF-4A37-BAA9-244E40D43EF9}" destId="{25464C83-3432-4DC1-B0CE-7BA565A2044A}" srcOrd="0" destOrd="0" presId="urn:microsoft.com/office/officeart/2005/8/layout/chevron1"/>
     <dgm:cxn modelId="{924336A1-F281-48B6-BF30-9675C016A420}" type="presParOf" srcId="{4A047B38-1BBF-4F99-BB0D-7D2E7A676983}" destId="{8E5A41F9-80DB-4597-B635-44AAF6ED2FFA}" srcOrd="0" destOrd="0" presId="urn:microsoft.com/office/officeart/2005/8/layout/chevron1"/>
     <dgm:cxn modelId="{064D7D57-E46C-4D5E-9246-27D213828792}" type="presParOf" srcId="{8E5A41F9-80DB-4597-B635-44AAF6ED2FFA}" destId="{F085EFFA-C28B-4682-BB87-3AB69EFA9997}" srcOrd="0" destOrd="0" presId="urn:microsoft.com/office/officeart/2005/8/layout/chevron1"/>
     <dgm:cxn modelId="{19E570BB-59E8-48DC-8F84-17F696AE5542}" type="presParOf" srcId="{8E5A41F9-80DB-4597-B635-44AAF6ED2FFA}" destId="{25464C83-3432-4DC1-B0CE-7BA565A2044A}" srcOrd="1" destOrd="0" presId="urn:microsoft.com/office/officeart/2005/8/layout/chevron1"/>
@@ -1433,11 +1827,15 @@
     <dgm:cxn modelId="{F534BF03-FDF2-40DA-8CD2-39FA930FFBB5}" type="presParOf" srcId="{5F56793D-0C87-43DC-A351-8931DCC82C6F}" destId="{6DBC3684-5185-4BDC-960E-E44E8FEFF96A}" srcOrd="0" destOrd="0" presId="urn:microsoft.com/office/officeart/2005/8/layout/chevron1"/>
     <dgm:cxn modelId="{66E13591-CBF7-4813-B5BA-271CC8BA1AFE}" type="presParOf" srcId="{5F56793D-0C87-43DC-A351-8931DCC82C6F}" destId="{EB85DB28-C47F-4176-BBE4-022DFBB59FF1}" srcOrd="1" destOrd="0" presId="urn:microsoft.com/office/officeart/2005/8/layout/chevron1"/>
     <dgm:cxn modelId="{CA87DDE5-7091-4EE2-955B-95ABC669981C}" type="presParOf" srcId="{4A047B38-1BBF-4F99-BB0D-7D2E7A676983}" destId="{2CF5C3FD-165C-42E7-A9AF-5E6BAD561C2B}" srcOrd="5" destOrd="0" presId="urn:microsoft.com/office/officeart/2005/8/layout/chevron1"/>
-    <dgm:cxn modelId="{00A58C29-76B0-4B76-B989-B3B0B36A9440}" type="presParOf" srcId="{4A047B38-1BBF-4F99-BB0D-7D2E7A676983}" destId="{FEC55449-9379-455D-9C14-B8451A505A51}" srcOrd="6" destOrd="0" presId="urn:microsoft.com/office/officeart/2005/8/layout/chevron1"/>
+    <dgm:cxn modelId="{1725CB1B-602D-4C89-A7D1-F88EF57B5268}" type="presParOf" srcId="{4A047B38-1BBF-4F99-BB0D-7D2E7A676983}" destId="{1E70E787-B80A-414C-B38A-1FFA8052361F}" srcOrd="6" destOrd="0" presId="urn:microsoft.com/office/officeart/2005/8/layout/chevron1"/>
+    <dgm:cxn modelId="{39244BD5-C9FE-42BF-B7F6-AA922019978A}" type="presParOf" srcId="{1E70E787-B80A-414C-B38A-1FFA8052361F}" destId="{12882430-8A5F-473F-AC5C-0814314A33A2}" srcOrd="0" destOrd="0" presId="urn:microsoft.com/office/officeart/2005/8/layout/chevron1"/>
+    <dgm:cxn modelId="{463041BF-46F6-4587-AFF1-CFA48A6A52F2}" type="presParOf" srcId="{1E70E787-B80A-414C-B38A-1FFA8052361F}" destId="{CE93ABF5-401E-44BB-B22F-906178552900}" srcOrd="1" destOrd="0" presId="urn:microsoft.com/office/officeart/2005/8/layout/chevron1"/>
+    <dgm:cxn modelId="{7E03754A-4B18-478A-A2E4-18E43E6476AF}" type="presParOf" srcId="{4A047B38-1BBF-4F99-BB0D-7D2E7A676983}" destId="{62900FC7-EF2B-44B7-878D-0ADCF3799C1D}" srcOrd="7" destOrd="0" presId="urn:microsoft.com/office/officeart/2005/8/layout/chevron1"/>
+    <dgm:cxn modelId="{00A58C29-76B0-4B76-B989-B3B0B36A9440}" type="presParOf" srcId="{4A047B38-1BBF-4F99-BB0D-7D2E7A676983}" destId="{FEC55449-9379-455D-9C14-B8451A505A51}" srcOrd="8" destOrd="0" presId="urn:microsoft.com/office/officeart/2005/8/layout/chevron1"/>
     <dgm:cxn modelId="{5C842FD3-7263-4899-9216-CB366E298C8D}" type="presParOf" srcId="{FEC55449-9379-455D-9C14-B8451A505A51}" destId="{8EE35218-F3D0-47A3-B466-5E691DDB41B9}" srcOrd="0" destOrd="0" presId="urn:microsoft.com/office/officeart/2005/8/layout/chevron1"/>
     <dgm:cxn modelId="{6E9A9FA3-DAAC-4715-A500-7C547F6B7249}" type="presParOf" srcId="{FEC55449-9379-455D-9C14-B8451A505A51}" destId="{D0DFF5B4-7903-472C-AAA3-D862EA34BBF9}" srcOrd="1" destOrd="0" presId="urn:microsoft.com/office/officeart/2005/8/layout/chevron1"/>
-    <dgm:cxn modelId="{01212623-D4FF-4E97-9424-767EC5A5D55A}" type="presParOf" srcId="{4A047B38-1BBF-4F99-BB0D-7D2E7A676983}" destId="{5A43FFB8-0F75-4006-9E6A-528377DA48FC}" srcOrd="7" destOrd="0" presId="urn:microsoft.com/office/officeart/2005/8/layout/chevron1"/>
-    <dgm:cxn modelId="{2E1455A1-9862-4170-8445-A650711A2957}" type="presParOf" srcId="{4A047B38-1BBF-4F99-BB0D-7D2E7A676983}" destId="{F2CD533B-50F7-4B34-B6C1-622A477C4FFC}" srcOrd="8" destOrd="0" presId="urn:microsoft.com/office/officeart/2005/8/layout/chevron1"/>
+    <dgm:cxn modelId="{01212623-D4FF-4E97-9424-767EC5A5D55A}" type="presParOf" srcId="{4A047B38-1BBF-4F99-BB0D-7D2E7A676983}" destId="{5A43FFB8-0F75-4006-9E6A-528377DA48FC}" srcOrd="9" destOrd="0" presId="urn:microsoft.com/office/officeart/2005/8/layout/chevron1"/>
+    <dgm:cxn modelId="{2E1455A1-9862-4170-8445-A650711A2957}" type="presParOf" srcId="{4A047B38-1BBF-4F99-BB0D-7D2E7A676983}" destId="{F2CD533B-50F7-4B34-B6C1-622A477C4FFC}" srcOrd="10" destOrd="0" presId="urn:microsoft.com/office/officeart/2005/8/layout/chevron1"/>
     <dgm:cxn modelId="{097AFCF0-E333-4FDA-991B-4ED60669CE14}" type="presParOf" srcId="{F2CD533B-50F7-4B34-B6C1-622A477C4FFC}" destId="{F7A2733A-0A4E-4472-BE93-46F2B42A6C86}" srcOrd="0" destOrd="0" presId="urn:microsoft.com/office/officeart/2005/8/layout/chevron1"/>
     <dgm:cxn modelId="{20AC7CCC-0144-406C-9472-1E6A3123834B}" type="presParOf" srcId="{F2CD533B-50F7-4B34-B6C1-622A477C4FFC}" destId="{464B953D-45DB-4DC8-A854-7254D1CC0163}" srcOrd="1" destOrd="0" presId="urn:microsoft.com/office/officeart/2005/8/layout/chevron1"/>
   </dgm:cxnLst>
@@ -1466,8 +1864,8 @@
       </dsp:nvSpPr>
       <dsp:spPr>
         <a:xfrm>
-          <a:off x="5583" y="2111286"/>
-          <a:ext cx="2262305" cy="904922"/>
+          <a:off x="1234" y="2187696"/>
+          <a:ext cx="1922704" cy="769081"/>
         </a:xfrm>
         <a:prstGeom prst="chevron">
           <a:avLst/>
@@ -1530,13 +1928,75 @@
             <a:rPr lang="nl-NL" sz="1000" kern="1200" dirty="0">
               <a:latin typeface="Museo Sans 300" panose="02000000000000000000" pitchFamily="50" charset="0"/>
             </a:rPr>
-            <a:t>Aanmaken ‘objecten’ in QGIS</a:t>
+            <a:t>Aanmaken ‘objecten’ in GIS</a:t>
           </a:r>
         </a:p>
       </dsp:txBody>
       <dsp:txXfrm>
-        <a:off x="458044" y="2111286"/>
-        <a:ext cx="1357383" cy="904922"/>
+        <a:off x="385775" y="2187696"/>
+        <a:ext cx="1153623" cy="769081"/>
+      </dsp:txXfrm>
+    </dsp:sp>
+    <dsp:sp modelId="{25464C83-3432-4DC1-B0CE-7BA565A2044A}">
+      <dsp:nvSpPr>
+        <dsp:cNvPr id="0" name=""/>
+        <dsp:cNvSpPr/>
+      </dsp:nvSpPr>
+      <dsp:spPr>
+        <a:xfrm>
+          <a:off x="1234" y="3052914"/>
+          <a:ext cx="1538163" cy="1170000"/>
+        </a:xfrm>
+        <a:prstGeom prst="rect">
+          <a:avLst/>
+        </a:prstGeom>
+        <a:noFill/>
+        <a:ln>
+          <a:noFill/>
+        </a:ln>
+        <a:effectLst/>
+      </dsp:spPr>
+      <dsp:style>
+        <a:lnRef idx="0">
+          <a:scrgbClr r="0" g="0" b="0"/>
+        </a:lnRef>
+        <a:fillRef idx="0">
+          <a:scrgbClr r="0" g="0" b="0"/>
+        </a:fillRef>
+        <a:effectRef idx="0">
+          <a:scrgbClr r="0" g="0" b="0"/>
+        </a:effectRef>
+        <a:fontRef idx="minor"/>
+      </dsp:style>
+      <dsp:txBody>
+        <a:bodyPr spcFirstLastPara="0" vert="horz" wrap="square" lIns="0" tIns="0" rIns="0" bIns="0" numCol="1" spcCol="1270" anchor="t" anchorCtr="0">
+          <a:noAutofit/>
+        </a:bodyPr>
+        <a:lstStyle/>
+        <a:p>
+          <a:pPr marL="57150" lvl="1" indent="-57150" algn="l" defTabSz="444500">
+            <a:lnSpc>
+              <a:spcPct val="90000"/>
+            </a:lnSpc>
+            <a:spcBef>
+              <a:spcPct val="0"/>
+            </a:spcBef>
+            <a:spcAft>
+              <a:spcPct val="15000"/>
+            </a:spcAft>
+            <a:buChar char="•"/>
+          </a:pPr>
+          <a:r>
+            <a:rPr lang="nl-NL" sz="1000" kern="1200" dirty="0">
+              <a:latin typeface="Museo Sans 300" panose="02000000000000000000" pitchFamily="50" charset="0"/>
+            </a:rPr>
+            <a:t>QGIS als ‘asset management software’</a:t>
+          </a:r>
+        </a:p>
+      </dsp:txBody>
+      <dsp:txXfrm>
+        <a:off x="1234" y="3052914"/>
+        <a:ext cx="1538163" cy="1170000"/>
       </dsp:txXfrm>
     </dsp:sp>
     <dsp:sp modelId="{3D5C9A85-CEF6-4C4E-8886-DB6568FF1802}">
@@ -1546,17 +2006,17 @@
       </dsp:nvSpPr>
       <dsp:spPr>
         <a:xfrm>
-          <a:off x="2063653" y="2111286"/>
-          <a:ext cx="2262305" cy="904922"/>
+          <a:off x="1717936" y="2187696"/>
+          <a:ext cx="1922704" cy="769081"/>
         </a:xfrm>
         <a:prstGeom prst="chevron">
           <a:avLst/>
         </a:prstGeom>
         <a:solidFill>
           <a:schemeClr val="accent3">
-            <a:hueOff val="677650"/>
-            <a:satOff val="25000"/>
-            <a:lumOff val="-3676"/>
+            <a:hueOff val="542120"/>
+            <a:satOff val="20000"/>
+            <a:lumOff val="-2941"/>
             <a:alphaOff val="0"/>
           </a:schemeClr>
         </a:solidFill>
@@ -1616,16 +2076,19 @@
             <a:rPr lang="nl-NL" sz="1000" kern="1200" dirty="0" err="1">
               <a:latin typeface="Museo Sans 300" panose="02000000000000000000" pitchFamily="50" charset="0"/>
             </a:rPr>
-            <a:t>GeoJSON</a:t>
+            <a:t>Geo</a:t>
           </a:r>
-          <a:endParaRPr lang="nl-NL" sz="1000" kern="1200" dirty="0">
-            <a:latin typeface="Museo Sans 300" panose="02000000000000000000" pitchFamily="50" charset="0"/>
-          </a:endParaRPr>
+          <a:r>
+            <a:rPr lang="nl-NL" sz="1000" kern="1200" dirty="0">
+              <a:latin typeface="Museo Sans 300" panose="02000000000000000000" pitchFamily="50" charset="0"/>
+            </a:rPr>
+            <a:t> formaat</a:t>
+          </a:r>
         </a:p>
       </dsp:txBody>
       <dsp:txXfrm>
-        <a:off x="2516114" y="2111286"/>
-        <a:ext cx="1357383" cy="904922"/>
+        <a:off x="2102477" y="2187696"/>
+        <a:ext cx="1153623" cy="769081"/>
       </dsp:txXfrm>
     </dsp:sp>
     <dsp:sp modelId="{E171A661-0FE4-4BEE-9185-8D9E2D7FAC0D}">
@@ -1635,8 +2098,8 @@
       </dsp:nvSpPr>
       <dsp:spPr>
         <a:xfrm>
-          <a:off x="2051889" y="3129324"/>
-          <a:ext cx="1809844" cy="1170000"/>
+          <a:off x="1707938" y="3052914"/>
+          <a:ext cx="1538163" cy="1170000"/>
         </a:xfrm>
         <a:prstGeom prst="rect">
           <a:avLst/>
@@ -1681,13 +2144,45 @@
             <a:rPr lang="nl-NL" sz="1000" i="1" kern="1200" dirty="0">
               <a:latin typeface="Museo Sans 300" panose="02000000000000000000" pitchFamily="50" charset="0"/>
             </a:rPr>
+            <a:t>In </a:t>
+          </a:r>
+          <a:r>
+            <a:rPr lang="nl-NL" sz="1000" i="1" kern="1200" dirty="0" err="1">
+              <a:latin typeface="Museo Sans 300" panose="02000000000000000000" pitchFamily="50" charset="0"/>
+            </a:rPr>
+            <a:t>GeoJSON</a:t>
+          </a:r>
+          <a:r>
+            <a:rPr lang="nl-NL" sz="1000" i="1" kern="1200" dirty="0">
+              <a:latin typeface="Museo Sans 300" panose="02000000000000000000" pitchFamily="50" charset="0"/>
+            </a:rPr>
+            <a:t> formaat</a:t>
+          </a:r>
+        </a:p>
+        <a:p>
+          <a:pPr marL="114300" lvl="2" indent="-57150" algn="l" defTabSz="444500">
+            <a:lnSpc>
+              <a:spcPct val="90000"/>
+            </a:lnSpc>
+            <a:spcBef>
+              <a:spcPct val="0"/>
+            </a:spcBef>
+            <a:spcAft>
+              <a:spcPct val="15000"/>
+            </a:spcAft>
+            <a:buChar char="•"/>
+          </a:pPr>
+          <a:r>
+            <a:rPr lang="nl-NL" sz="1000" i="1" kern="1200" dirty="0">
+              <a:latin typeface="Museo Sans 300" panose="02000000000000000000" pitchFamily="50" charset="0"/>
+            </a:rPr>
             <a:t>Nodige stap omdat QGIS (nog) geen RDF kan exporteren</a:t>
           </a:r>
         </a:p>
       </dsp:txBody>
       <dsp:txXfrm>
-        <a:off x="2051889" y="3129324"/>
-        <a:ext cx="1809844" cy="1170000"/>
+        <a:off x="1707938" y="3052914"/>
+        <a:ext cx="1538163" cy="1170000"/>
       </dsp:txXfrm>
     </dsp:sp>
     <dsp:sp modelId="{6DBC3684-5185-4BDC-960E-E44E8FEFF96A}">
@@ -1697,17 +2192,17 @@
       </dsp:nvSpPr>
       <dsp:spPr>
         <a:xfrm>
-          <a:off x="4098195" y="2111286"/>
-          <a:ext cx="2262305" cy="904922"/>
+          <a:off x="3414643" y="2187696"/>
+          <a:ext cx="1922704" cy="769081"/>
         </a:xfrm>
         <a:prstGeom prst="chevron">
           <a:avLst/>
         </a:prstGeom>
         <a:solidFill>
           <a:schemeClr val="accent3">
-            <a:hueOff val="1355300"/>
-            <a:satOff val="50000"/>
-            <a:lumOff val="-7353"/>
+            <a:hueOff val="1084240"/>
+            <a:satOff val="40000"/>
+            <a:lumOff val="-5882"/>
             <a:alphaOff val="0"/>
           </a:schemeClr>
         </a:solidFill>
@@ -1761,13 +2256,13 @@
             <a:rPr lang="nl-NL" sz="1000" kern="1200" dirty="0">
               <a:latin typeface="Museo Sans 300" panose="02000000000000000000" pitchFamily="50" charset="0"/>
             </a:rPr>
-            <a:t>Transformeren naar RDF (in </a:t>
+            <a:t>Transformeren naar RDF (</a:t>
           </a:r>
           <a:r>
             <a:rPr lang="nl-NL" sz="1000" kern="1200" dirty="0" err="1">
               <a:latin typeface="Museo Sans 300" panose="02000000000000000000" pitchFamily="50" charset="0"/>
             </a:rPr>
-            <a:t>Turtle</a:t>
+            <a:t>triples</a:t>
           </a:r>
           <a:r>
             <a:rPr lang="nl-NL" sz="1000" kern="1200" dirty="0">
@@ -1778,8 +2273,8 @@
         </a:p>
       </dsp:txBody>
       <dsp:txXfrm>
-        <a:off x="4550656" y="2111286"/>
-        <a:ext cx="1357383" cy="904922"/>
+        <a:off x="3799184" y="2187696"/>
+        <a:ext cx="1153623" cy="769081"/>
       </dsp:txXfrm>
     </dsp:sp>
     <dsp:sp modelId="{EB85DB28-C47F-4176-BBE4-022DFBB59FF1}">
@@ -1789,8 +2284,8 @@
       </dsp:nvSpPr>
       <dsp:spPr>
         <a:xfrm>
-          <a:off x="4098195" y="3129324"/>
-          <a:ext cx="1809844" cy="1170000"/>
+          <a:off x="3414643" y="3052914"/>
+          <a:ext cx="1538163" cy="1170000"/>
         </a:xfrm>
         <a:prstGeom prst="rect">
           <a:avLst/>
@@ -1832,10 +2327,56 @@
             <a:buChar char="•"/>
           </a:pPr>
           <a:r>
+            <a:rPr lang="nl-NL" sz="1000" kern="1200" dirty="0" err="1">
+              <a:latin typeface="Museo Sans 300" panose="02000000000000000000" pitchFamily="50" charset="0"/>
+            </a:rPr>
+            <a:t>Serialisatie</a:t>
+          </a:r>
+          <a:r>
+            <a:rPr lang="nl-NL" sz="1000" kern="1200" dirty="0">
+              <a:latin typeface="Museo Sans 300" panose="02000000000000000000" pitchFamily="50" charset="0"/>
+            </a:rPr>
+            <a:t> in </a:t>
+          </a:r>
+          <a:r>
+            <a:rPr lang="nl-NL" sz="1000" kern="1200" dirty="0" err="1">
+              <a:latin typeface="Museo Sans 300" panose="02000000000000000000" pitchFamily="50" charset="0"/>
+            </a:rPr>
+            <a:t>Turtle</a:t>
+          </a:r>
+          <a:endParaRPr lang="nl-NL" sz="1000" kern="1200" dirty="0">
+            <a:latin typeface="Museo Sans 300" panose="02000000000000000000" pitchFamily="50" charset="0"/>
+          </a:endParaRPr>
+        </a:p>
+        <a:p>
+          <a:pPr marL="114300" lvl="2" indent="-57150" algn="l" defTabSz="444500">
+            <a:lnSpc>
+              <a:spcPct val="90000"/>
+            </a:lnSpc>
+            <a:spcBef>
+              <a:spcPct val="0"/>
+            </a:spcBef>
+            <a:spcAft>
+              <a:spcPct val="15000"/>
+            </a:spcAft>
+            <a:buChar char="•"/>
+          </a:pPr>
+          <a:r>
             <a:rPr lang="nl-NL" sz="1000" i="1" kern="1200" dirty="0">
               <a:latin typeface="Museo Sans 300" panose="02000000000000000000" pitchFamily="50" charset="0"/>
             </a:rPr>
-            <a:t>Nu handmatig gedaan (maar eenvoudig te </a:t>
+            <a:t>Nu handmatig gedaan </a:t>
+          </a:r>
+          <a:br>
+            <a:rPr lang="nl-NL" sz="1000" i="1" kern="1200" dirty="0">
+              <a:latin typeface="Museo Sans 300" panose="02000000000000000000" pitchFamily="50" charset="0"/>
+            </a:rPr>
+          </a:br>
+          <a:r>
+            <a:rPr lang="nl-NL" sz="1000" i="1" kern="1200" dirty="0">
+              <a:latin typeface="Museo Sans 300" panose="02000000000000000000" pitchFamily="50" charset="0"/>
+            </a:rPr>
+            <a:t>(maar eenvoudig te </a:t>
           </a:r>
           <a:r>
             <a:rPr lang="nl-NL" sz="1000" i="1" kern="1200" dirty="0" err="1">
@@ -1852,8 +2393,171 @@
         </a:p>
       </dsp:txBody>
       <dsp:txXfrm>
-        <a:off x="4098195" y="3129324"/>
-        <a:ext cx="1809844" cy="1170000"/>
+        <a:off x="3414643" y="3052914"/>
+        <a:ext cx="1538163" cy="1170000"/>
+      </dsp:txXfrm>
+    </dsp:sp>
+    <dsp:sp modelId="{12882430-8A5F-473F-AC5C-0814314A33A2}">
+      <dsp:nvSpPr>
+        <dsp:cNvPr id="0" name=""/>
+        <dsp:cNvSpPr/>
+      </dsp:nvSpPr>
+      <dsp:spPr>
+        <a:xfrm>
+          <a:off x="5121348" y="2187696"/>
+          <a:ext cx="1922704" cy="769081"/>
+        </a:xfrm>
+        <a:prstGeom prst="chevron">
+          <a:avLst/>
+        </a:prstGeom>
+        <a:solidFill>
+          <a:schemeClr val="accent3">
+            <a:hueOff val="1626359"/>
+            <a:satOff val="60000"/>
+            <a:lumOff val="-8824"/>
+            <a:alphaOff val="0"/>
+          </a:schemeClr>
+        </a:solidFill>
+        <a:ln w="12700" cap="flat" cmpd="sng" algn="ctr">
+          <a:solidFill>
+            <a:schemeClr val="lt1">
+              <a:hueOff val="0"/>
+              <a:satOff val="0"/>
+              <a:lumOff val="0"/>
+              <a:alphaOff val="0"/>
+            </a:schemeClr>
+          </a:solidFill>
+          <a:prstDash val="solid"/>
+          <a:miter lim="800000"/>
+        </a:ln>
+        <a:effectLst/>
+      </dsp:spPr>
+      <dsp:style>
+        <a:lnRef idx="2">
+          <a:scrgbClr r="0" g="0" b="0"/>
+        </a:lnRef>
+        <a:fillRef idx="1">
+          <a:scrgbClr r="0" g="0" b="0"/>
+        </a:fillRef>
+        <a:effectRef idx="0">
+          <a:scrgbClr r="0" g="0" b="0"/>
+        </a:effectRef>
+        <a:fontRef idx="minor">
+          <a:schemeClr val="lt1"/>
+        </a:fontRef>
+      </dsp:style>
+      <dsp:txBody>
+        <a:bodyPr spcFirstLastPara="0" vert="horz" wrap="square" lIns="40005" tIns="13335" rIns="13335" bIns="13335" numCol="1" spcCol="1270" anchor="ctr" anchorCtr="0">
+          <a:noAutofit/>
+        </a:bodyPr>
+        <a:lstStyle/>
+        <a:p>
+          <a:pPr marL="0" lvl="0" indent="0" algn="ctr" defTabSz="444500">
+            <a:lnSpc>
+              <a:spcPct val="90000"/>
+            </a:lnSpc>
+            <a:spcBef>
+              <a:spcPct val="0"/>
+            </a:spcBef>
+            <a:spcAft>
+              <a:spcPct val="35000"/>
+            </a:spcAft>
+            <a:buNone/>
+          </a:pPr>
+          <a:r>
+            <a:rPr lang="nl-NL" sz="1000" kern="1200" dirty="0">
+              <a:latin typeface="Museo Sans 300" panose="02000000000000000000" pitchFamily="50" charset="0"/>
+            </a:rPr>
+            <a:t>Validatie van de gegevens met SHACL</a:t>
+          </a:r>
+        </a:p>
+      </dsp:txBody>
+      <dsp:txXfrm>
+        <a:off x="5505889" y="2187696"/>
+        <a:ext cx="1153623" cy="769081"/>
+      </dsp:txXfrm>
+    </dsp:sp>
+    <dsp:sp modelId="{CE93ABF5-401E-44BB-B22F-906178552900}">
+      <dsp:nvSpPr>
+        <dsp:cNvPr id="0" name=""/>
+        <dsp:cNvSpPr/>
+      </dsp:nvSpPr>
+      <dsp:spPr>
+        <a:xfrm>
+          <a:off x="5121348" y="3052914"/>
+          <a:ext cx="1538163" cy="1170000"/>
+        </a:xfrm>
+        <a:prstGeom prst="rect">
+          <a:avLst/>
+        </a:prstGeom>
+        <a:noFill/>
+        <a:ln>
+          <a:noFill/>
+        </a:ln>
+        <a:effectLst/>
+      </dsp:spPr>
+      <dsp:style>
+        <a:lnRef idx="0">
+          <a:scrgbClr r="0" g="0" b="0"/>
+        </a:lnRef>
+        <a:fillRef idx="0">
+          <a:scrgbClr r="0" g="0" b="0"/>
+        </a:fillRef>
+        <a:effectRef idx="0">
+          <a:scrgbClr r="0" g="0" b="0"/>
+        </a:effectRef>
+        <a:fontRef idx="minor"/>
+      </dsp:style>
+      <dsp:txBody>
+        <a:bodyPr spcFirstLastPara="0" vert="horz" wrap="square" lIns="0" tIns="0" rIns="0" bIns="0" numCol="1" spcCol="1270" anchor="t" anchorCtr="0">
+          <a:noAutofit/>
+        </a:bodyPr>
+        <a:lstStyle/>
+        <a:p>
+          <a:pPr marL="57150" lvl="1" indent="-57150" algn="l" defTabSz="444500">
+            <a:lnSpc>
+              <a:spcPct val="90000"/>
+            </a:lnSpc>
+            <a:spcBef>
+              <a:spcPct val="0"/>
+            </a:spcBef>
+            <a:spcAft>
+              <a:spcPct val="15000"/>
+            </a:spcAft>
+            <a:buChar char="•"/>
+          </a:pPr>
+          <a:r>
+            <a:rPr lang="nl-NL" sz="1000" kern="1200" dirty="0">
+              <a:latin typeface="Museo Sans 300" panose="02000000000000000000" pitchFamily="50" charset="0"/>
+            </a:rPr>
+            <a:t>Conform de SHACL </a:t>
+          </a:r>
+          <a:r>
+            <a:rPr lang="nl-NL" sz="1000" kern="1200" dirty="0" err="1">
+              <a:latin typeface="Museo Sans 300" panose="02000000000000000000" pitchFamily="50" charset="0"/>
+            </a:rPr>
+            <a:t>validator</a:t>
+          </a:r>
+          <a:r>
+            <a:rPr lang="nl-NL" sz="1000" kern="1200" dirty="0">
+              <a:latin typeface="Museo Sans 300" panose="02000000000000000000" pitchFamily="50" charset="0"/>
+            </a:rPr>
+            <a:t> van </a:t>
+          </a:r>
+          <a:r>
+            <a:rPr lang="nl-NL" sz="1000" kern="1200" dirty="0" err="1">
+              <a:latin typeface="Museo Sans 300" panose="02000000000000000000" pitchFamily="50" charset="0"/>
+            </a:rPr>
+            <a:t>TopQuadrant</a:t>
+          </a:r>
+          <a:endParaRPr lang="nl-NL" sz="1000" kern="1200" dirty="0">
+            <a:latin typeface="Museo Sans 300" panose="02000000000000000000" pitchFamily="50" charset="0"/>
+          </a:endParaRPr>
+        </a:p>
+      </dsp:txBody>
+      <dsp:txXfrm>
+        <a:off x="5121348" y="3052914"/>
+        <a:ext cx="1538163" cy="1170000"/>
       </dsp:txXfrm>
     </dsp:sp>
     <dsp:sp modelId="{8EE35218-F3D0-47A3-B466-5E691DDB41B9}">
@@ -1863,17 +2567,17 @@
       </dsp:nvSpPr>
       <dsp:spPr>
         <a:xfrm>
-          <a:off x="6144500" y="2111286"/>
-          <a:ext cx="2262305" cy="904922"/>
+          <a:off x="6828052" y="2187696"/>
+          <a:ext cx="1922704" cy="769081"/>
         </a:xfrm>
         <a:prstGeom prst="chevron">
           <a:avLst/>
         </a:prstGeom>
         <a:solidFill>
           <a:schemeClr val="accent3">
-            <a:hueOff val="2032949"/>
-            <a:satOff val="75000"/>
-            <a:lumOff val="-11029"/>
+            <a:hueOff val="2168479"/>
+            <a:satOff val="80000"/>
+            <a:lumOff val="-11765"/>
             <a:alphaOff val="0"/>
           </a:schemeClr>
         </a:solidFill>
@@ -1941,8 +2645,8 @@
         </a:p>
       </dsp:txBody>
       <dsp:txXfrm>
-        <a:off x="6596961" y="2111286"/>
-        <a:ext cx="1357383" cy="904922"/>
+        <a:off x="7212593" y="2187696"/>
+        <a:ext cx="1153623" cy="769081"/>
       </dsp:txXfrm>
     </dsp:sp>
     <dsp:sp modelId="{D0DFF5B4-7903-472C-AAA3-D862EA34BBF9}">
@@ -1952,8 +2656,8 @@
       </dsp:nvSpPr>
       <dsp:spPr>
         <a:xfrm>
-          <a:off x="6144500" y="3129324"/>
-          <a:ext cx="1809844" cy="1170000"/>
+          <a:off x="6828052" y="3052914"/>
+          <a:ext cx="1538163" cy="1170000"/>
         </a:xfrm>
         <a:prstGeom prst="rect">
           <a:avLst/>
@@ -1998,7 +2702,27 @@
             <a:rPr lang="nl-NL" sz="1000" i="1" kern="1200" dirty="0">
               <a:latin typeface="Museo Sans 300" panose="02000000000000000000" pitchFamily="50" charset="0"/>
             </a:rPr>
-            <a:t>Indien gewenst (kan ook ‘document </a:t>
+            <a:t>Middels het CROW LDP</a:t>
+          </a:r>
+        </a:p>
+        <a:p>
+          <a:pPr marL="114300" lvl="2" indent="-57150" algn="l" defTabSz="444500">
+            <a:lnSpc>
+              <a:spcPct val="90000"/>
+            </a:lnSpc>
+            <a:spcBef>
+              <a:spcPct val="0"/>
+            </a:spcBef>
+            <a:spcAft>
+              <a:spcPct val="15000"/>
+            </a:spcAft>
+            <a:buChar char="•"/>
+          </a:pPr>
+          <a:r>
+            <a:rPr lang="nl-NL" sz="1000" i="1" kern="1200" dirty="0">
+              <a:latin typeface="Museo Sans 300" panose="02000000000000000000" pitchFamily="50" charset="0"/>
+            </a:rPr>
+            <a:t>Indien gewenst (want kan ook ‘document </a:t>
           </a:r>
           <a:r>
             <a:rPr lang="nl-NL" sz="1000" i="1" kern="1200" dirty="0" err="1">
@@ -2015,8 +2739,8 @@
         </a:p>
       </dsp:txBody>
       <dsp:txXfrm>
-        <a:off x="6144500" y="3129324"/>
-        <a:ext cx="1809844" cy="1170000"/>
+        <a:off x="6828052" y="3052914"/>
+        <a:ext cx="1538163" cy="1170000"/>
       </dsp:txXfrm>
     </dsp:sp>
     <dsp:sp modelId="{F7A2733A-0A4E-4472-BE93-46F2B42A6C86}">
@@ -2026,8 +2750,8 @@
       </dsp:nvSpPr>
       <dsp:spPr>
         <a:xfrm>
-          <a:off x="8190806" y="2111286"/>
-          <a:ext cx="2262305" cy="904922"/>
+          <a:off x="8534757" y="2187696"/>
+          <a:ext cx="1922704" cy="769081"/>
         </a:xfrm>
         <a:prstGeom prst="chevron">
           <a:avLst/>
@@ -2107,8 +2831,91 @@
         </a:p>
       </dsp:txBody>
       <dsp:txXfrm>
-        <a:off x="8643267" y="2111286"/>
-        <a:ext cx="1357383" cy="904922"/>
+        <a:off x="8919298" y="2187696"/>
+        <a:ext cx="1153623" cy="769081"/>
+      </dsp:txXfrm>
+    </dsp:sp>
+    <dsp:sp modelId="{464B953D-45DB-4DC8-A854-7254D1CC0163}">
+      <dsp:nvSpPr>
+        <dsp:cNvPr id="0" name=""/>
+        <dsp:cNvSpPr/>
+      </dsp:nvSpPr>
+      <dsp:spPr>
+        <a:xfrm>
+          <a:off x="8534757" y="3052914"/>
+          <a:ext cx="1538163" cy="1170000"/>
+        </a:xfrm>
+        <a:prstGeom prst="rect">
+          <a:avLst/>
+        </a:prstGeom>
+        <a:noFill/>
+        <a:ln>
+          <a:noFill/>
+        </a:ln>
+        <a:effectLst/>
+      </dsp:spPr>
+      <dsp:style>
+        <a:lnRef idx="0">
+          <a:scrgbClr r="0" g="0" b="0"/>
+        </a:lnRef>
+        <a:fillRef idx="0">
+          <a:scrgbClr r="0" g="0" b="0"/>
+        </a:fillRef>
+        <a:effectRef idx="0">
+          <a:scrgbClr r="0" g="0" b="0"/>
+        </a:effectRef>
+        <a:fontRef idx="minor"/>
+      </dsp:style>
+      <dsp:txBody>
+        <a:bodyPr spcFirstLastPara="0" vert="horz" wrap="square" lIns="0" tIns="0" rIns="0" bIns="0" numCol="1" spcCol="1270" anchor="t" anchorCtr="0">
+          <a:noAutofit/>
+        </a:bodyPr>
+        <a:lstStyle/>
+        <a:p>
+          <a:pPr marL="57150" lvl="1" indent="-57150" algn="l" defTabSz="444500">
+            <a:lnSpc>
+              <a:spcPct val="90000"/>
+            </a:lnSpc>
+            <a:spcBef>
+              <a:spcPct val="0"/>
+            </a:spcBef>
+            <a:spcAft>
+              <a:spcPct val="15000"/>
+            </a:spcAft>
+            <a:buChar char="•"/>
+          </a:pPr>
+          <a:r>
+            <a:rPr lang="nl-NL" sz="1000" kern="1200" dirty="0">
+              <a:latin typeface="Museo Sans 300" panose="02000000000000000000" pitchFamily="50" charset="0"/>
+            </a:rPr>
+            <a:t>Bijvoorbeeld met </a:t>
+          </a:r>
+          <a:r>
+            <a:rPr lang="nl-NL" sz="1000" kern="1200" dirty="0" err="1">
+              <a:latin typeface="Museo Sans 300" panose="02000000000000000000" pitchFamily="50" charset="0"/>
+            </a:rPr>
+            <a:t>TriplyDB</a:t>
+          </a:r>
+          <a:r>
+            <a:rPr lang="nl-NL" sz="1000" kern="1200" dirty="0">
+              <a:latin typeface="Museo Sans 300" panose="02000000000000000000" pitchFamily="50" charset="0"/>
+            </a:rPr>
+            <a:t> / </a:t>
+          </a:r>
+          <a:r>
+            <a:rPr lang="nl-NL" sz="1000" kern="1200" dirty="0" err="1">
+              <a:latin typeface="Museo Sans 300" panose="02000000000000000000" pitchFamily="50" charset="0"/>
+            </a:rPr>
+            <a:t>Yasgui</a:t>
+          </a:r>
+          <a:endParaRPr lang="nl-NL" sz="1000" kern="1200" dirty="0">
+            <a:latin typeface="Museo Sans 300" panose="02000000000000000000" pitchFamily="50" charset="0"/>
+          </a:endParaRPr>
+        </a:p>
+      </dsp:txBody>
+      <dsp:txXfrm>
+        <a:off x="8534757" y="3052914"/>
+        <a:ext cx="1538163" cy="1170000"/>
       </dsp:txXfrm>
     </dsp:sp>
   </dsp:spTree>
@@ -3579,7 +4386,7 @@
           <a:p>
             <a:fld id="{922565AE-8DB0-4467-BEA1-0932745B92AA}" type="datetimeFigureOut">
               <a:rPr lang="nl-NL" smtClean="0"/>
-              <a:t>20-5-2022</a:t>
+              <a:t>2-6-2022</a:t>
             </a:fld>
             <a:endParaRPr lang="nl-NL"/>
           </a:p>
@@ -3777,7 +4584,7 @@
           <a:p>
             <a:fld id="{922565AE-8DB0-4467-BEA1-0932745B92AA}" type="datetimeFigureOut">
               <a:rPr lang="nl-NL" smtClean="0"/>
-              <a:t>20-5-2022</a:t>
+              <a:t>2-6-2022</a:t>
             </a:fld>
             <a:endParaRPr lang="nl-NL"/>
           </a:p>
@@ -3985,7 +4792,7 @@
           <a:p>
             <a:fld id="{922565AE-8DB0-4467-BEA1-0932745B92AA}" type="datetimeFigureOut">
               <a:rPr lang="nl-NL" smtClean="0"/>
-              <a:t>20-5-2022</a:t>
+              <a:t>2-6-2022</a:t>
             </a:fld>
             <a:endParaRPr lang="nl-NL"/>
           </a:p>
@@ -4183,7 +4990,7 @@
           <a:p>
             <a:fld id="{922565AE-8DB0-4467-BEA1-0932745B92AA}" type="datetimeFigureOut">
               <a:rPr lang="nl-NL" smtClean="0"/>
-              <a:t>20-5-2022</a:t>
+              <a:t>2-6-2022</a:t>
             </a:fld>
             <a:endParaRPr lang="nl-NL"/>
           </a:p>
@@ -4458,7 +5265,7 @@
           <a:p>
             <a:fld id="{922565AE-8DB0-4467-BEA1-0932745B92AA}" type="datetimeFigureOut">
               <a:rPr lang="nl-NL" smtClean="0"/>
-              <a:t>20-5-2022</a:t>
+              <a:t>2-6-2022</a:t>
             </a:fld>
             <a:endParaRPr lang="nl-NL"/>
           </a:p>
@@ -4723,7 +5530,7 @@
           <a:p>
             <a:fld id="{922565AE-8DB0-4467-BEA1-0932745B92AA}" type="datetimeFigureOut">
               <a:rPr lang="nl-NL" smtClean="0"/>
-              <a:t>20-5-2022</a:t>
+              <a:t>2-6-2022</a:t>
             </a:fld>
             <a:endParaRPr lang="nl-NL"/>
           </a:p>
@@ -5135,7 +5942,7 @@
           <a:p>
             <a:fld id="{922565AE-8DB0-4467-BEA1-0932745B92AA}" type="datetimeFigureOut">
               <a:rPr lang="nl-NL" smtClean="0"/>
-              <a:t>20-5-2022</a:t>
+              <a:t>2-6-2022</a:t>
             </a:fld>
             <a:endParaRPr lang="nl-NL"/>
           </a:p>
@@ -5276,7 +6083,7 @@
           <a:p>
             <a:fld id="{922565AE-8DB0-4467-BEA1-0932745B92AA}" type="datetimeFigureOut">
               <a:rPr lang="nl-NL" smtClean="0"/>
-              <a:t>20-5-2022</a:t>
+              <a:t>2-6-2022</a:t>
             </a:fld>
             <a:endParaRPr lang="nl-NL"/>
           </a:p>
@@ -5389,7 +6196,7 @@
           <a:p>
             <a:fld id="{922565AE-8DB0-4467-BEA1-0932745B92AA}" type="datetimeFigureOut">
               <a:rPr lang="nl-NL" smtClean="0"/>
-              <a:t>20-5-2022</a:t>
+              <a:t>2-6-2022</a:t>
             </a:fld>
             <a:endParaRPr lang="nl-NL"/>
           </a:p>
@@ -5700,7 +6507,7 @@
           <a:p>
             <a:fld id="{922565AE-8DB0-4467-BEA1-0932745B92AA}" type="datetimeFigureOut">
               <a:rPr lang="nl-NL" smtClean="0"/>
-              <a:t>20-5-2022</a:t>
+              <a:t>2-6-2022</a:t>
             </a:fld>
             <a:endParaRPr lang="nl-NL"/>
           </a:p>
@@ -5988,7 +6795,7 @@
           <a:p>
             <a:fld id="{922565AE-8DB0-4467-BEA1-0932745B92AA}" type="datetimeFigureOut">
               <a:rPr lang="nl-NL" smtClean="0"/>
-              <a:t>20-5-2022</a:t>
+              <a:t>2-6-2022</a:t>
             </a:fld>
             <a:endParaRPr lang="nl-NL"/>
           </a:p>
@@ -6229,7 +7036,7 @@
           <a:p>
             <a:fld id="{922565AE-8DB0-4467-BEA1-0932745B92AA}" type="datetimeFigureOut">
               <a:rPr lang="nl-NL" smtClean="0"/>
-              <a:t>20-5-2022</a:t>
+              <a:t>2-6-2022</a:t>
             </a:fld>
             <a:endParaRPr lang="nl-NL"/>
           </a:p>
@@ -6659,7 +7466,7 @@
           <p:nvPr>
             <p:extLst>
               <p:ext uri="{D42A27DB-BD31-4B8C-83A1-F6EECF244321}">
-                <p14:modId xmlns:p14="http://schemas.microsoft.com/office/powerpoint/2010/main" val="2190053446"/>
+                <p14:modId xmlns:p14="http://schemas.microsoft.com/office/powerpoint/2010/main" val="909138937"/>
               </p:ext>
             </p:extLst>
           </p:nvPr>
@@ -6674,68 +7481,6 @@
           </a:graphicData>
         </a:graphic>
       </p:graphicFrame>
-      <p:sp>
-        <p:nvSpPr>
-          <p:cNvPr id="5" name="Pijl: omlaag 4">
-            <a:extLst>
-              <a:ext uri="{FF2B5EF4-FFF2-40B4-BE49-F238E27FC236}">
-                <a16:creationId xmlns:a16="http://schemas.microsoft.com/office/drawing/2014/main" id="{3677DFB4-0D07-400D-BC2C-C49361F358A3}"/>
-              </a:ext>
-            </a:extLst>
-          </p:cNvPr>
-          <p:cNvSpPr/>
-          <p:nvPr/>
-        </p:nvSpPr>
-        <p:spPr>
-          <a:xfrm>
-            <a:off x="6251669" y="1597257"/>
-            <a:ext cx="1408884" cy="1071378"/>
-          </a:xfrm>
-          <a:prstGeom prst="downArrow">
-            <a:avLst>
-              <a:gd name="adj1" fmla="val 50557"/>
-              <a:gd name="adj2" fmla="val 45970"/>
-            </a:avLst>
-          </a:prstGeom>
-          <a:noFill/>
-          <a:ln w="28575" cap="flat" cmpd="sng" algn="ctr">
-            <a:solidFill>
-              <a:schemeClr val="accent2"/>
-            </a:solidFill>
-            <a:prstDash val="solid"/>
-            <a:round/>
-            <a:headEnd type="none" w="med" len="med"/>
-            <a:tailEnd type="none" w="med" len="med"/>
-          </a:ln>
-        </p:spPr>
-        <p:style>
-          <a:lnRef idx="0">
-            <a:scrgbClr r="0" g="0" b="0"/>
-          </a:lnRef>
-          <a:fillRef idx="0">
-            <a:scrgbClr r="0" g="0" b="0"/>
-          </a:fillRef>
-          <a:effectRef idx="0">
-            <a:scrgbClr r="0" g="0" b="0"/>
-          </a:effectRef>
-          <a:fontRef idx="minor">
-            <a:schemeClr val="accent2"/>
-          </a:fontRef>
-        </p:style>
-        <p:txBody>
-          <a:bodyPr rtlCol="0" anchor="b"/>
-          <a:lstStyle/>
-          <a:p>
-            <a:pPr algn="ctr"/>
-            <a:r>
-              <a:rPr lang="nl-NL" sz="1100" dirty="0">
-                <a:latin typeface="Museo Sans 300" panose="02000000000000000000" pitchFamily="50" charset="0"/>
-              </a:rPr>
-              <a:t>SHACL validatie</a:t>
-            </a:r>
-          </a:p>
-        </p:txBody>
-      </p:sp>
     </p:spTree>
     <p:extLst>
       <p:ext uri="{BB962C8B-B14F-4D97-AF65-F5344CB8AC3E}">
@@ -6746,6 +7491,577 @@
   <p:clrMapOvr>
     <a:masterClrMapping/>
   </p:clrMapOvr>
+  <p:timing>
+    <p:tnLst>
+      <p:par>
+        <p:cTn id="1" dur="indefinite" restart="never" nodeType="tmRoot">
+          <p:childTnLst>
+            <p:seq concurrent="1" nextAc="seek">
+              <p:cTn id="2" dur="indefinite" nodeType="mainSeq">
+                <p:childTnLst>
+                  <p:par>
+                    <p:cTn id="3" fill="hold">
+                      <p:stCondLst>
+                        <p:cond delay="indefinite"/>
+                      </p:stCondLst>
+                      <p:childTnLst>
+                        <p:par>
+                          <p:cTn id="4" fill="hold">
+                            <p:stCondLst>
+                              <p:cond delay="0"/>
+                            </p:stCondLst>
+                            <p:childTnLst>
+                              <p:par>
+                                <p:cTn id="5" presetID="1" presetClass="entr" presetSubtype="0" fill="hold" grpId="0" nodeType="clickEffect">
+                                  <p:stCondLst>
+                                    <p:cond delay="0"/>
+                                  </p:stCondLst>
+                                  <p:childTnLst>
+                                    <p:set>
+                                      <p:cBhvr>
+                                        <p:cTn id="6" dur="1" fill="hold">
+                                          <p:stCondLst>
+                                            <p:cond delay="0"/>
+                                          </p:stCondLst>
+                                        </p:cTn>
+                                        <p:tgtEl>
+                                          <p:spTgt spid="4">
+                                            <p:graphicEl>
+                                              <a:dgm id="{F085EFFA-C28B-4682-BB87-3AB69EFA9997}"/>
+                                            </p:graphicEl>
+                                          </p:spTgt>
+                                        </p:tgtEl>
+                                        <p:attrNameLst>
+                                          <p:attrName>style.visibility</p:attrName>
+                                        </p:attrNameLst>
+                                      </p:cBhvr>
+                                      <p:to>
+                                        <p:strVal val="visible"/>
+                                      </p:to>
+                                    </p:set>
+                                  </p:childTnLst>
+                                </p:cTn>
+                              </p:par>
+                            </p:childTnLst>
+                          </p:cTn>
+                        </p:par>
+                        <p:par>
+                          <p:cTn id="7" fill="hold">
+                            <p:stCondLst>
+                              <p:cond delay="0"/>
+                            </p:stCondLst>
+                            <p:childTnLst>
+                              <p:par>
+                                <p:cTn id="8" presetID="1" presetClass="entr" presetSubtype="0" fill="hold" grpId="0" nodeType="afterEffect">
+                                  <p:stCondLst>
+                                    <p:cond delay="0"/>
+                                  </p:stCondLst>
+                                  <p:childTnLst>
+                                    <p:set>
+                                      <p:cBhvr>
+                                        <p:cTn id="9" dur="1" fill="hold">
+                                          <p:stCondLst>
+                                            <p:cond delay="0"/>
+                                          </p:stCondLst>
+                                        </p:cTn>
+                                        <p:tgtEl>
+                                          <p:spTgt spid="4">
+                                            <p:graphicEl>
+                                              <a:dgm id="{25464C83-3432-4DC1-B0CE-7BA565A2044A}"/>
+                                            </p:graphicEl>
+                                          </p:spTgt>
+                                        </p:tgtEl>
+                                        <p:attrNameLst>
+                                          <p:attrName>style.visibility</p:attrName>
+                                        </p:attrNameLst>
+                                      </p:cBhvr>
+                                      <p:to>
+                                        <p:strVal val="visible"/>
+                                      </p:to>
+                                    </p:set>
+                                  </p:childTnLst>
+                                </p:cTn>
+                              </p:par>
+                            </p:childTnLst>
+                          </p:cTn>
+                        </p:par>
+                      </p:childTnLst>
+                    </p:cTn>
+                  </p:par>
+                  <p:par>
+                    <p:cTn id="10" fill="hold">
+                      <p:stCondLst>
+                        <p:cond delay="indefinite"/>
+                      </p:stCondLst>
+                      <p:childTnLst>
+                        <p:par>
+                          <p:cTn id="11" fill="hold">
+                            <p:stCondLst>
+                              <p:cond delay="0"/>
+                            </p:stCondLst>
+                            <p:childTnLst>
+                              <p:par>
+                                <p:cTn id="12" presetID="1" presetClass="entr" presetSubtype="0" fill="hold" grpId="0" nodeType="clickEffect">
+                                  <p:stCondLst>
+                                    <p:cond delay="0"/>
+                                  </p:stCondLst>
+                                  <p:childTnLst>
+                                    <p:set>
+                                      <p:cBhvr>
+                                        <p:cTn id="13" dur="1" fill="hold">
+                                          <p:stCondLst>
+                                            <p:cond delay="0"/>
+                                          </p:stCondLst>
+                                        </p:cTn>
+                                        <p:tgtEl>
+                                          <p:spTgt spid="4">
+                                            <p:graphicEl>
+                                              <a:dgm id="{3D5C9A85-CEF6-4C4E-8886-DB6568FF1802}"/>
+                                            </p:graphicEl>
+                                          </p:spTgt>
+                                        </p:tgtEl>
+                                        <p:attrNameLst>
+                                          <p:attrName>style.visibility</p:attrName>
+                                        </p:attrNameLst>
+                                      </p:cBhvr>
+                                      <p:to>
+                                        <p:strVal val="visible"/>
+                                      </p:to>
+                                    </p:set>
+                                  </p:childTnLst>
+                                </p:cTn>
+                              </p:par>
+                            </p:childTnLst>
+                          </p:cTn>
+                        </p:par>
+                        <p:par>
+                          <p:cTn id="14" fill="hold">
+                            <p:stCondLst>
+                              <p:cond delay="0"/>
+                            </p:stCondLst>
+                            <p:childTnLst>
+                              <p:par>
+                                <p:cTn id="15" presetID="1" presetClass="entr" presetSubtype="0" fill="hold" grpId="0" nodeType="afterEffect">
+                                  <p:stCondLst>
+                                    <p:cond delay="0"/>
+                                  </p:stCondLst>
+                                  <p:childTnLst>
+                                    <p:set>
+                                      <p:cBhvr>
+                                        <p:cTn id="16" dur="1" fill="hold">
+                                          <p:stCondLst>
+                                            <p:cond delay="0"/>
+                                          </p:stCondLst>
+                                        </p:cTn>
+                                        <p:tgtEl>
+                                          <p:spTgt spid="4">
+                                            <p:graphicEl>
+                                              <a:dgm id="{E171A661-0FE4-4BEE-9185-8D9E2D7FAC0D}"/>
+                                            </p:graphicEl>
+                                          </p:spTgt>
+                                        </p:tgtEl>
+                                        <p:attrNameLst>
+                                          <p:attrName>style.visibility</p:attrName>
+                                        </p:attrNameLst>
+                                      </p:cBhvr>
+                                      <p:to>
+                                        <p:strVal val="visible"/>
+                                      </p:to>
+                                    </p:set>
+                                  </p:childTnLst>
+                                </p:cTn>
+                              </p:par>
+                            </p:childTnLst>
+                          </p:cTn>
+                        </p:par>
+                      </p:childTnLst>
+                    </p:cTn>
+                  </p:par>
+                  <p:par>
+                    <p:cTn id="17" fill="hold">
+                      <p:stCondLst>
+                        <p:cond delay="indefinite"/>
+                      </p:stCondLst>
+                      <p:childTnLst>
+                        <p:par>
+                          <p:cTn id="18" fill="hold">
+                            <p:stCondLst>
+                              <p:cond delay="0"/>
+                            </p:stCondLst>
+                            <p:childTnLst>
+                              <p:par>
+                                <p:cTn id="19" presetID="1" presetClass="entr" presetSubtype="0" fill="hold" grpId="0" nodeType="clickEffect">
+                                  <p:stCondLst>
+                                    <p:cond delay="0"/>
+                                  </p:stCondLst>
+                                  <p:childTnLst>
+                                    <p:set>
+                                      <p:cBhvr>
+                                        <p:cTn id="20" dur="1" fill="hold">
+                                          <p:stCondLst>
+                                            <p:cond delay="0"/>
+                                          </p:stCondLst>
+                                        </p:cTn>
+                                        <p:tgtEl>
+                                          <p:spTgt spid="4">
+                                            <p:graphicEl>
+                                              <a:dgm id="{6DBC3684-5185-4BDC-960E-E44E8FEFF96A}"/>
+                                            </p:graphicEl>
+                                          </p:spTgt>
+                                        </p:tgtEl>
+                                        <p:attrNameLst>
+                                          <p:attrName>style.visibility</p:attrName>
+                                        </p:attrNameLst>
+                                      </p:cBhvr>
+                                      <p:to>
+                                        <p:strVal val="visible"/>
+                                      </p:to>
+                                    </p:set>
+                                  </p:childTnLst>
+                                </p:cTn>
+                              </p:par>
+                            </p:childTnLst>
+                          </p:cTn>
+                        </p:par>
+                        <p:par>
+                          <p:cTn id="21" fill="hold">
+                            <p:stCondLst>
+                              <p:cond delay="0"/>
+                            </p:stCondLst>
+                            <p:childTnLst>
+                              <p:par>
+                                <p:cTn id="22" presetID="1" presetClass="entr" presetSubtype="0" fill="hold" grpId="0" nodeType="afterEffect">
+                                  <p:stCondLst>
+                                    <p:cond delay="0"/>
+                                  </p:stCondLst>
+                                  <p:childTnLst>
+                                    <p:set>
+                                      <p:cBhvr>
+                                        <p:cTn id="23" dur="1" fill="hold">
+                                          <p:stCondLst>
+                                            <p:cond delay="0"/>
+                                          </p:stCondLst>
+                                        </p:cTn>
+                                        <p:tgtEl>
+                                          <p:spTgt spid="4">
+                                            <p:graphicEl>
+                                              <a:dgm id="{EB85DB28-C47F-4176-BBE4-022DFBB59FF1}"/>
+                                            </p:graphicEl>
+                                          </p:spTgt>
+                                        </p:tgtEl>
+                                        <p:attrNameLst>
+                                          <p:attrName>style.visibility</p:attrName>
+                                        </p:attrNameLst>
+                                      </p:cBhvr>
+                                      <p:to>
+                                        <p:strVal val="visible"/>
+                                      </p:to>
+                                    </p:set>
+                                  </p:childTnLst>
+                                </p:cTn>
+                              </p:par>
+                            </p:childTnLst>
+                          </p:cTn>
+                        </p:par>
+                      </p:childTnLst>
+                    </p:cTn>
+                  </p:par>
+                  <p:par>
+                    <p:cTn id="24" fill="hold">
+                      <p:stCondLst>
+                        <p:cond delay="indefinite"/>
+                      </p:stCondLst>
+                      <p:childTnLst>
+                        <p:par>
+                          <p:cTn id="25" fill="hold">
+                            <p:stCondLst>
+                              <p:cond delay="0"/>
+                            </p:stCondLst>
+                            <p:childTnLst>
+                              <p:par>
+                                <p:cTn id="26" presetID="1" presetClass="entr" presetSubtype="0" fill="hold" grpId="0" nodeType="clickEffect">
+                                  <p:stCondLst>
+                                    <p:cond delay="0"/>
+                                  </p:stCondLst>
+                                  <p:childTnLst>
+                                    <p:set>
+                                      <p:cBhvr>
+                                        <p:cTn id="27" dur="1" fill="hold">
+                                          <p:stCondLst>
+                                            <p:cond delay="0"/>
+                                          </p:stCondLst>
+                                        </p:cTn>
+                                        <p:tgtEl>
+                                          <p:spTgt spid="4">
+                                            <p:graphicEl>
+                                              <a:dgm id="{12882430-8A5F-473F-AC5C-0814314A33A2}"/>
+                                            </p:graphicEl>
+                                          </p:spTgt>
+                                        </p:tgtEl>
+                                        <p:attrNameLst>
+                                          <p:attrName>style.visibility</p:attrName>
+                                        </p:attrNameLst>
+                                      </p:cBhvr>
+                                      <p:to>
+                                        <p:strVal val="visible"/>
+                                      </p:to>
+                                    </p:set>
+                                  </p:childTnLst>
+                                </p:cTn>
+                              </p:par>
+                            </p:childTnLst>
+                          </p:cTn>
+                        </p:par>
+                        <p:par>
+                          <p:cTn id="28" fill="hold">
+                            <p:stCondLst>
+                              <p:cond delay="0"/>
+                            </p:stCondLst>
+                            <p:childTnLst>
+                              <p:par>
+                                <p:cTn id="29" presetID="1" presetClass="entr" presetSubtype="0" fill="hold" grpId="0" nodeType="afterEffect">
+                                  <p:stCondLst>
+                                    <p:cond delay="0"/>
+                                  </p:stCondLst>
+                                  <p:childTnLst>
+                                    <p:set>
+                                      <p:cBhvr>
+                                        <p:cTn id="30" dur="1" fill="hold">
+                                          <p:stCondLst>
+                                            <p:cond delay="0"/>
+                                          </p:stCondLst>
+                                        </p:cTn>
+                                        <p:tgtEl>
+                                          <p:spTgt spid="4">
+                                            <p:graphicEl>
+                                              <a:dgm id="{CE93ABF5-401E-44BB-B22F-906178552900}"/>
+                                            </p:graphicEl>
+                                          </p:spTgt>
+                                        </p:tgtEl>
+                                        <p:attrNameLst>
+                                          <p:attrName>style.visibility</p:attrName>
+                                        </p:attrNameLst>
+                                      </p:cBhvr>
+                                      <p:to>
+                                        <p:strVal val="visible"/>
+                                      </p:to>
+                                    </p:set>
+                                  </p:childTnLst>
+                                </p:cTn>
+                              </p:par>
+                            </p:childTnLst>
+                          </p:cTn>
+                        </p:par>
+                      </p:childTnLst>
+                    </p:cTn>
+                  </p:par>
+                  <p:par>
+                    <p:cTn id="31" fill="hold">
+                      <p:stCondLst>
+                        <p:cond delay="indefinite"/>
+                      </p:stCondLst>
+                      <p:childTnLst>
+                        <p:par>
+                          <p:cTn id="32" fill="hold">
+                            <p:stCondLst>
+                              <p:cond delay="0"/>
+                            </p:stCondLst>
+                            <p:childTnLst>
+                              <p:par>
+                                <p:cTn id="33" presetID="1" presetClass="entr" presetSubtype="0" fill="hold" grpId="0" nodeType="clickEffect">
+                                  <p:stCondLst>
+                                    <p:cond delay="0"/>
+                                  </p:stCondLst>
+                                  <p:childTnLst>
+                                    <p:set>
+                                      <p:cBhvr>
+                                        <p:cTn id="34" dur="1" fill="hold">
+                                          <p:stCondLst>
+                                            <p:cond delay="0"/>
+                                          </p:stCondLst>
+                                        </p:cTn>
+                                        <p:tgtEl>
+                                          <p:spTgt spid="4">
+                                            <p:graphicEl>
+                                              <a:dgm id="{8EE35218-F3D0-47A3-B466-5E691DDB41B9}"/>
+                                            </p:graphicEl>
+                                          </p:spTgt>
+                                        </p:tgtEl>
+                                        <p:attrNameLst>
+                                          <p:attrName>style.visibility</p:attrName>
+                                        </p:attrNameLst>
+                                      </p:cBhvr>
+                                      <p:to>
+                                        <p:strVal val="visible"/>
+                                      </p:to>
+                                    </p:set>
+                                  </p:childTnLst>
+                                </p:cTn>
+                              </p:par>
+                            </p:childTnLst>
+                          </p:cTn>
+                        </p:par>
+                        <p:par>
+                          <p:cTn id="35" fill="hold">
+                            <p:stCondLst>
+                              <p:cond delay="0"/>
+                            </p:stCondLst>
+                            <p:childTnLst>
+                              <p:par>
+                                <p:cTn id="36" presetID="1" presetClass="entr" presetSubtype="0" fill="hold" grpId="0" nodeType="afterEffect">
+                                  <p:stCondLst>
+                                    <p:cond delay="0"/>
+                                  </p:stCondLst>
+                                  <p:childTnLst>
+                                    <p:set>
+                                      <p:cBhvr>
+                                        <p:cTn id="37" dur="1" fill="hold">
+                                          <p:stCondLst>
+                                            <p:cond delay="0"/>
+                                          </p:stCondLst>
+                                        </p:cTn>
+                                        <p:tgtEl>
+                                          <p:spTgt spid="4">
+                                            <p:graphicEl>
+                                              <a:dgm id="{D0DFF5B4-7903-472C-AAA3-D862EA34BBF9}"/>
+                                            </p:graphicEl>
+                                          </p:spTgt>
+                                        </p:tgtEl>
+                                        <p:attrNameLst>
+                                          <p:attrName>style.visibility</p:attrName>
+                                        </p:attrNameLst>
+                                      </p:cBhvr>
+                                      <p:to>
+                                        <p:strVal val="visible"/>
+                                      </p:to>
+                                    </p:set>
+                                  </p:childTnLst>
+                                </p:cTn>
+                              </p:par>
+                            </p:childTnLst>
+                          </p:cTn>
+                        </p:par>
+                      </p:childTnLst>
+                    </p:cTn>
+                  </p:par>
+                  <p:par>
+                    <p:cTn id="38" fill="hold">
+                      <p:stCondLst>
+                        <p:cond delay="indefinite"/>
+                      </p:stCondLst>
+                      <p:childTnLst>
+                        <p:par>
+                          <p:cTn id="39" fill="hold">
+                            <p:stCondLst>
+                              <p:cond delay="0"/>
+                            </p:stCondLst>
+                            <p:childTnLst>
+                              <p:par>
+                                <p:cTn id="40" presetID="1" presetClass="entr" presetSubtype="0" fill="hold" grpId="0" nodeType="clickEffect">
+                                  <p:stCondLst>
+                                    <p:cond delay="0"/>
+                                  </p:stCondLst>
+                                  <p:childTnLst>
+                                    <p:set>
+                                      <p:cBhvr>
+                                        <p:cTn id="41" dur="1" fill="hold">
+                                          <p:stCondLst>
+                                            <p:cond delay="0"/>
+                                          </p:stCondLst>
+                                        </p:cTn>
+                                        <p:tgtEl>
+                                          <p:spTgt spid="4">
+                                            <p:graphicEl>
+                                              <a:dgm id="{F7A2733A-0A4E-4472-BE93-46F2B42A6C86}"/>
+                                            </p:graphicEl>
+                                          </p:spTgt>
+                                        </p:tgtEl>
+                                        <p:attrNameLst>
+                                          <p:attrName>style.visibility</p:attrName>
+                                        </p:attrNameLst>
+                                      </p:cBhvr>
+                                      <p:to>
+                                        <p:strVal val="visible"/>
+                                      </p:to>
+                                    </p:set>
+                                  </p:childTnLst>
+                                </p:cTn>
+                              </p:par>
+                            </p:childTnLst>
+                          </p:cTn>
+                        </p:par>
+                        <p:par>
+                          <p:cTn id="42" fill="hold">
+                            <p:stCondLst>
+                              <p:cond delay="0"/>
+                            </p:stCondLst>
+                            <p:childTnLst>
+                              <p:par>
+                                <p:cTn id="43" presetID="1" presetClass="entr" presetSubtype="0" fill="hold" grpId="0" nodeType="afterEffect">
+                                  <p:stCondLst>
+                                    <p:cond delay="0"/>
+                                  </p:stCondLst>
+                                  <p:childTnLst>
+                                    <p:set>
+                                      <p:cBhvr>
+                                        <p:cTn id="44" dur="1" fill="hold">
+                                          <p:stCondLst>
+                                            <p:cond delay="0"/>
+                                          </p:stCondLst>
+                                        </p:cTn>
+                                        <p:tgtEl>
+                                          <p:spTgt spid="4">
+                                            <p:graphicEl>
+                                              <a:dgm id="{464B953D-45DB-4DC8-A854-7254D1CC0163}"/>
+                                            </p:graphicEl>
+                                          </p:spTgt>
+                                        </p:tgtEl>
+                                        <p:attrNameLst>
+                                          <p:attrName>style.visibility</p:attrName>
+                                        </p:attrNameLst>
+                                      </p:cBhvr>
+                                      <p:to>
+                                        <p:strVal val="visible"/>
+                                      </p:to>
+                                    </p:set>
+                                  </p:childTnLst>
+                                </p:cTn>
+                              </p:par>
+                            </p:childTnLst>
+                          </p:cTn>
+                        </p:par>
+                      </p:childTnLst>
+                    </p:cTn>
+                  </p:par>
+                </p:childTnLst>
+              </p:cTn>
+              <p:prevCondLst>
+                <p:cond evt="onPrev" delay="0">
+                  <p:tgtEl>
+                    <p:sldTgt/>
+                  </p:tgtEl>
+                </p:cond>
+              </p:prevCondLst>
+              <p:nextCondLst>
+                <p:cond evt="onNext" delay="0">
+                  <p:tgtEl>
+                    <p:sldTgt/>
+                  </p:tgtEl>
+                </p:cond>
+              </p:nextCondLst>
+            </p:seq>
+          </p:childTnLst>
+        </p:cTn>
+      </p:par>
+    </p:tnLst>
+    <p:bldLst>
+      <p:bldGraphic spid="4" grpId="0" uiExpand="1">
+        <p:bldSub>
+          <a:bldDgm bld="one"/>
+        </p:bldSub>
+      </p:bldGraphic>
+    </p:bldLst>
+  </p:timing>
 </p:sld>
 </file>
 
